--- a/Filesystem/File System.pptx
+++ b/Filesystem/File System.pptx
@@ -319,7 +319,7 @@
           <a:p>
             <a:fld id="{3C1CD153-15DE-46E9-BB45-7F70E88D2337}" type="datetimeFigureOut">
               <a:rPr lang="nl-BE" smtClean="0"/>
-              <a:t>13/03/2018</a:t>
+              <a:t>6/09/2018</a:t>
             </a:fld>
             <a:endParaRPr lang="nl-BE"/>
           </a:p>
@@ -2278,7 +2278,7 @@
           <a:p>
             <a:fld id="{21F21368-17C6-4870-9BCB-BC49B72EC322}" type="datetimeFigureOut">
               <a:rPr lang="nl-BE" smtClean="0"/>
-              <a:t>13/03/2018</a:t>
+              <a:t>6/09/2018</a:t>
             </a:fld>
             <a:endParaRPr lang="nl-BE"/>
           </a:p>
@@ -2448,7 +2448,7 @@
           <a:p>
             <a:fld id="{21F21368-17C6-4870-9BCB-BC49B72EC322}" type="datetimeFigureOut">
               <a:rPr lang="nl-BE" smtClean="0"/>
-              <a:t>13/03/2018</a:t>
+              <a:t>6/09/2018</a:t>
             </a:fld>
             <a:endParaRPr lang="nl-BE"/>
           </a:p>
@@ -2628,7 +2628,7 @@
           <a:p>
             <a:fld id="{21F21368-17C6-4870-9BCB-BC49B72EC322}" type="datetimeFigureOut">
               <a:rPr lang="nl-BE" smtClean="0"/>
-              <a:t>13/03/2018</a:t>
+              <a:t>6/09/2018</a:t>
             </a:fld>
             <a:endParaRPr lang="nl-BE"/>
           </a:p>
@@ -3142,7 +3142,7 @@
           <a:p>
             <a:fld id="{21F21368-17C6-4870-9BCB-BC49B72EC322}" type="datetimeFigureOut">
               <a:rPr lang="nl-BE" smtClean="0"/>
-              <a:t>13/03/2018</a:t>
+              <a:t>6/09/2018</a:t>
             </a:fld>
             <a:endParaRPr lang="nl-BE"/>
           </a:p>
@@ -3388,7 +3388,7 @@
           <a:p>
             <a:fld id="{21F21368-17C6-4870-9BCB-BC49B72EC322}" type="datetimeFigureOut">
               <a:rPr lang="nl-BE" smtClean="0"/>
-              <a:t>13/03/2018</a:t>
+              <a:t>6/09/2018</a:t>
             </a:fld>
             <a:endParaRPr lang="nl-BE"/>
           </a:p>
@@ -3620,7 +3620,7 @@
           <a:p>
             <a:fld id="{21F21368-17C6-4870-9BCB-BC49B72EC322}" type="datetimeFigureOut">
               <a:rPr lang="nl-BE" smtClean="0"/>
-              <a:t>13/03/2018</a:t>
+              <a:t>6/09/2018</a:t>
             </a:fld>
             <a:endParaRPr lang="nl-BE"/>
           </a:p>
@@ -3987,7 +3987,7 @@
           <a:p>
             <a:fld id="{21F21368-17C6-4870-9BCB-BC49B72EC322}" type="datetimeFigureOut">
               <a:rPr lang="nl-BE" smtClean="0"/>
-              <a:t>13/03/2018</a:t>
+              <a:t>6/09/2018</a:t>
             </a:fld>
             <a:endParaRPr lang="nl-BE"/>
           </a:p>
@@ -4105,7 +4105,7 @@
           <a:p>
             <a:fld id="{21F21368-17C6-4870-9BCB-BC49B72EC322}" type="datetimeFigureOut">
               <a:rPr lang="nl-BE" smtClean="0"/>
-              <a:t>13/03/2018</a:t>
+              <a:t>6/09/2018</a:t>
             </a:fld>
             <a:endParaRPr lang="nl-BE"/>
           </a:p>
@@ -4200,7 +4200,7 @@
           <a:p>
             <a:fld id="{21F21368-17C6-4870-9BCB-BC49B72EC322}" type="datetimeFigureOut">
               <a:rPr lang="nl-BE" smtClean="0"/>
-              <a:t>13/03/2018</a:t>
+              <a:t>6/09/2018</a:t>
             </a:fld>
             <a:endParaRPr lang="nl-BE"/>
           </a:p>
@@ -4477,7 +4477,7 @@
           <a:p>
             <a:fld id="{21F21368-17C6-4870-9BCB-BC49B72EC322}" type="datetimeFigureOut">
               <a:rPr lang="nl-BE" smtClean="0"/>
-              <a:t>13/03/2018</a:t>
+              <a:t>6/09/2018</a:t>
             </a:fld>
             <a:endParaRPr lang="nl-BE"/>
           </a:p>
@@ -4734,7 +4734,7 @@
           <a:p>
             <a:fld id="{21F21368-17C6-4870-9BCB-BC49B72EC322}" type="datetimeFigureOut">
               <a:rPr lang="nl-BE" smtClean="0"/>
-              <a:t>13/03/2018</a:t>
+              <a:t>6/09/2018</a:t>
             </a:fld>
             <a:endParaRPr lang="nl-BE"/>
           </a:p>
@@ -4947,7 +4947,7 @@
           <a:p>
             <a:fld id="{21F21368-17C6-4870-9BCB-BC49B72EC322}" type="datetimeFigureOut">
               <a:rPr lang="nl-BE" smtClean="0"/>
-              <a:t>13/03/2018</a:t>
+              <a:t>6/09/2018</a:t>
             </a:fld>
             <a:endParaRPr lang="nl-BE"/>
           </a:p>
@@ -14515,7 +14515,7 @@
           <a:p>
             <a:r>
               <a:rPr lang="en-US" dirty="0"/>
-              <a:t>(Proves that Get-ACL get the Security Descriptor, not the ACL)</a:t>
+              <a:t>(Proves that Get-ACL gets the Security Descriptor, not the ACL)</a:t>
             </a:r>
           </a:p>
           <a:p>
@@ -15617,7 +15617,7 @@
           <a:lstStyle/>
           <a:p>
             <a:r>
-              <a:rPr lang="en-GB">
+              <a:rPr lang="en-GB" dirty="0">
                 <a:solidFill>
                   <a:srgbClr val="A9A9A9"/>
                 </a:solidFill>

--- a/Filesystem/File System.pptx
+++ b/Filesystem/File System.pptx
@@ -203,6 +203,30 @@
 <file path=ppt/changesInfos/changesInfo1.xml><?xml version="1.0" encoding="utf-8"?>
 <pc:chgInfo xmlns:a="http://schemas.openxmlformats.org/drawingml/2006/main" xmlns:r="http://schemas.openxmlformats.org/officeDocument/2006/relationships" xmlns:ac="http://schemas.microsoft.com/office/drawing/2013/main/command" xmlns:pc="http://schemas.microsoft.com/office/powerpoint/2013/main/command">
   <pc:docChgLst>
+    <pc:chgData name="Jochen Mariën" userId="a4f8d9ed-3895-4365-b2d5-9432cb8a20d4" providerId="ADAL" clId="{560FF211-5EEF-4ED1-857B-D95D39575E75}"/>
+    <pc:docChg chg="modSld">
+      <pc:chgData name="Jochen Mariën" userId="a4f8d9ed-3895-4365-b2d5-9432cb8a20d4" providerId="ADAL" clId="{560FF211-5EEF-4ED1-857B-D95D39575E75}" dt="2020-10-13T13:47:52.678" v="7" actId="20577"/>
+      <pc:docMkLst>
+        <pc:docMk/>
+      </pc:docMkLst>
+      <pc:sldChg chg="modSp mod">
+        <pc:chgData name="Jochen Mariën" userId="a4f8d9ed-3895-4365-b2d5-9432cb8a20d4" providerId="ADAL" clId="{560FF211-5EEF-4ED1-857B-D95D39575E75}" dt="2020-10-13T13:47:52.678" v="7" actId="20577"/>
+        <pc:sldMkLst>
+          <pc:docMk/>
+          <pc:sldMk cId="1167578390" sldId="308"/>
+        </pc:sldMkLst>
+        <pc:spChg chg="mod">
+          <ac:chgData name="Jochen Mariën" userId="a4f8d9ed-3895-4365-b2d5-9432cb8a20d4" providerId="ADAL" clId="{560FF211-5EEF-4ED1-857B-D95D39575E75}" dt="2020-10-13T13:47:52.678" v="7" actId="20577"/>
+          <ac:spMkLst>
+            <pc:docMk/>
+            <pc:sldMk cId="1167578390" sldId="308"/>
+            <ac:spMk id="3" creationId="{00000000-0000-0000-0000-000000000000}"/>
+          </ac:spMkLst>
+        </pc:spChg>
+      </pc:sldChg>
+    </pc:docChg>
+  </pc:docChgLst>
+  <pc:docChgLst>
     <pc:chgData name="Jochen Mariën" userId="a4f8d9ed-3895-4365-b2d5-9432cb8a20d4" providerId="ADAL" clId="{933B4E41-C7CC-43AC-8F0D-B577AE9EA37E}"/>
     <pc:docChg chg="custSel addSld modSld">
       <pc:chgData name="Jochen Mariën" userId="a4f8d9ed-3895-4365-b2d5-9432cb8a20d4" providerId="ADAL" clId="{933B4E41-C7CC-43AC-8F0D-B577AE9EA37E}" dt="2018-03-13T13:29:48.824" v="645" actId="20577"/>
@@ -319,7 +343,7 @@
           <a:p>
             <a:fld id="{3C1CD153-15DE-46E9-BB45-7F70E88D2337}" type="datetimeFigureOut">
               <a:rPr lang="nl-BE" smtClean="0"/>
-              <a:t>6/09/2018</a:t>
+              <a:t>13/10/2020</a:t>
             </a:fld>
             <a:endParaRPr lang="nl-BE"/>
           </a:p>
@@ -2278,7 +2302,7 @@
           <a:p>
             <a:fld id="{21F21368-17C6-4870-9BCB-BC49B72EC322}" type="datetimeFigureOut">
               <a:rPr lang="nl-BE" smtClean="0"/>
-              <a:t>6/09/2018</a:t>
+              <a:t>13/10/2020</a:t>
             </a:fld>
             <a:endParaRPr lang="nl-BE"/>
           </a:p>
@@ -2448,7 +2472,7 @@
           <a:p>
             <a:fld id="{21F21368-17C6-4870-9BCB-BC49B72EC322}" type="datetimeFigureOut">
               <a:rPr lang="nl-BE" smtClean="0"/>
-              <a:t>6/09/2018</a:t>
+              <a:t>13/10/2020</a:t>
             </a:fld>
             <a:endParaRPr lang="nl-BE"/>
           </a:p>
@@ -2628,7 +2652,7 @@
           <a:p>
             <a:fld id="{21F21368-17C6-4870-9BCB-BC49B72EC322}" type="datetimeFigureOut">
               <a:rPr lang="nl-BE" smtClean="0"/>
-              <a:t>6/09/2018</a:t>
+              <a:t>13/10/2020</a:t>
             </a:fld>
             <a:endParaRPr lang="nl-BE"/>
           </a:p>
@@ -3142,7 +3166,7 @@
           <a:p>
             <a:fld id="{21F21368-17C6-4870-9BCB-BC49B72EC322}" type="datetimeFigureOut">
               <a:rPr lang="nl-BE" smtClean="0"/>
-              <a:t>6/09/2018</a:t>
+              <a:t>13/10/2020</a:t>
             </a:fld>
             <a:endParaRPr lang="nl-BE"/>
           </a:p>
@@ -3388,7 +3412,7 @@
           <a:p>
             <a:fld id="{21F21368-17C6-4870-9BCB-BC49B72EC322}" type="datetimeFigureOut">
               <a:rPr lang="nl-BE" smtClean="0"/>
-              <a:t>6/09/2018</a:t>
+              <a:t>13/10/2020</a:t>
             </a:fld>
             <a:endParaRPr lang="nl-BE"/>
           </a:p>
@@ -3620,7 +3644,7 @@
           <a:p>
             <a:fld id="{21F21368-17C6-4870-9BCB-BC49B72EC322}" type="datetimeFigureOut">
               <a:rPr lang="nl-BE" smtClean="0"/>
-              <a:t>6/09/2018</a:t>
+              <a:t>13/10/2020</a:t>
             </a:fld>
             <a:endParaRPr lang="nl-BE"/>
           </a:p>
@@ -3987,7 +4011,7 @@
           <a:p>
             <a:fld id="{21F21368-17C6-4870-9BCB-BC49B72EC322}" type="datetimeFigureOut">
               <a:rPr lang="nl-BE" smtClean="0"/>
-              <a:t>6/09/2018</a:t>
+              <a:t>13/10/2020</a:t>
             </a:fld>
             <a:endParaRPr lang="nl-BE"/>
           </a:p>
@@ -4105,7 +4129,7 @@
           <a:p>
             <a:fld id="{21F21368-17C6-4870-9BCB-BC49B72EC322}" type="datetimeFigureOut">
               <a:rPr lang="nl-BE" smtClean="0"/>
-              <a:t>6/09/2018</a:t>
+              <a:t>13/10/2020</a:t>
             </a:fld>
             <a:endParaRPr lang="nl-BE"/>
           </a:p>
@@ -4200,7 +4224,7 @@
           <a:p>
             <a:fld id="{21F21368-17C6-4870-9BCB-BC49B72EC322}" type="datetimeFigureOut">
               <a:rPr lang="nl-BE" smtClean="0"/>
-              <a:t>6/09/2018</a:t>
+              <a:t>13/10/2020</a:t>
             </a:fld>
             <a:endParaRPr lang="nl-BE"/>
           </a:p>
@@ -4477,7 +4501,7 @@
           <a:p>
             <a:fld id="{21F21368-17C6-4870-9BCB-BC49B72EC322}" type="datetimeFigureOut">
               <a:rPr lang="nl-BE" smtClean="0"/>
-              <a:t>6/09/2018</a:t>
+              <a:t>13/10/2020</a:t>
             </a:fld>
             <a:endParaRPr lang="nl-BE"/>
           </a:p>
@@ -4734,7 +4758,7 @@
           <a:p>
             <a:fld id="{21F21368-17C6-4870-9BCB-BC49B72EC322}" type="datetimeFigureOut">
               <a:rPr lang="nl-BE" smtClean="0"/>
-              <a:t>6/09/2018</a:t>
+              <a:t>13/10/2020</a:t>
             </a:fld>
             <a:endParaRPr lang="nl-BE"/>
           </a:p>
@@ -4947,7 +4971,7 @@
           <a:p>
             <a:fld id="{21F21368-17C6-4870-9BCB-BC49B72EC322}" type="datetimeFigureOut">
               <a:rPr lang="nl-BE" smtClean="0"/>
-              <a:t>6/09/2018</a:t>
+              <a:t>13/10/2020</a:t>
             </a:fld>
             <a:endParaRPr lang="nl-BE"/>
           </a:p>
@@ -16280,7 +16304,15 @@
           <a:p>
             <a:r>
               <a:rPr lang="en-US" dirty="0"/>
-              <a:t>A computer has at least one disk</a:t>
+              <a:t>Most </a:t>
+            </a:r>
+            <a:r>
+              <a:rPr lang="en-US"/>
+              <a:t>computers have </a:t>
+            </a:r>
+            <a:r>
+              <a:rPr lang="en-US" dirty="0"/>
+              <a:t>at least one disk</a:t>
             </a:r>
           </a:p>
           <a:p>

--- a/Filesystem/File System.pptx
+++ b/Filesystem/File System.pptx
@@ -200,8 +200,40 @@
 </p:presentation>
 </file>
 
+<file path=ppt/revisionInfo.xml><?xml version="1.0" encoding="utf-8"?>
+<p1510:revInfo xmlns:a="http://schemas.openxmlformats.org/drawingml/2006/main" xmlns:r="http://schemas.openxmlformats.org/officeDocument/2006/relationships" xmlns:p1510="http://schemas.microsoft.com/office/powerpoint/2015/10/main">
+  <p1510:revLst>
+    <p1510:client id="{FAAE377D-8110-4782-B72A-DA0C336E5F7B}" v="2" dt="2021-01-22T10:17:08.993"/>
+  </p1510:revLst>
+</p1510:revInfo>
+</file>
+
 <file path=ppt/changesInfos/changesInfo1.xml><?xml version="1.0" encoding="utf-8"?>
 <pc:chgInfo xmlns:a="http://schemas.openxmlformats.org/drawingml/2006/main" xmlns:r="http://schemas.openxmlformats.org/officeDocument/2006/relationships" xmlns:ac="http://schemas.microsoft.com/office/drawing/2013/main/command" xmlns:pc="http://schemas.microsoft.com/office/powerpoint/2013/main/command">
+  <pc:docChgLst>
+    <pc:chgData name="Jochen Mariën" userId="a4f8d9ed-3895-4365-b2d5-9432cb8a20d4" providerId="ADAL" clId="{FAAE377D-8110-4782-B72A-DA0C336E5F7B}"/>
+    <pc:docChg chg="modSld">
+      <pc:chgData name="Jochen Mariën" userId="a4f8d9ed-3895-4365-b2d5-9432cb8a20d4" providerId="ADAL" clId="{FAAE377D-8110-4782-B72A-DA0C336E5F7B}" dt="2021-01-22T10:17:08.993" v="1" actId="20578"/>
+      <pc:docMkLst>
+        <pc:docMk/>
+      </pc:docMkLst>
+      <pc:sldChg chg="modSp">
+        <pc:chgData name="Jochen Mariën" userId="a4f8d9ed-3895-4365-b2d5-9432cb8a20d4" providerId="ADAL" clId="{FAAE377D-8110-4782-B72A-DA0C336E5F7B}" dt="2021-01-22T10:17:08.993" v="1" actId="20578"/>
+        <pc:sldMkLst>
+          <pc:docMk/>
+          <pc:sldMk cId="1208843983" sldId="332"/>
+        </pc:sldMkLst>
+        <pc:spChg chg="mod">
+          <ac:chgData name="Jochen Mariën" userId="a4f8d9ed-3895-4365-b2d5-9432cb8a20d4" providerId="ADAL" clId="{FAAE377D-8110-4782-B72A-DA0C336E5F7B}" dt="2021-01-22T10:17:08.993" v="1" actId="20578"/>
+          <ac:spMkLst>
+            <pc:docMk/>
+            <pc:sldMk cId="1208843983" sldId="332"/>
+            <ac:spMk id="7" creationId="{00000000-0000-0000-0000-000000000000}"/>
+          </ac:spMkLst>
+        </pc:spChg>
+      </pc:sldChg>
+    </pc:docChg>
+  </pc:docChgLst>
   <pc:docChgLst>
     <pc:chgData name="Jochen Mariën" userId="a4f8d9ed-3895-4365-b2d5-9432cb8a20d4" providerId="ADAL" clId="{560FF211-5EEF-4ED1-857B-D95D39575E75}"/>
     <pc:docChg chg="modSld">
@@ -343,7 +375,7 @@
           <a:p>
             <a:fld id="{3C1CD153-15DE-46E9-BB45-7F70E88D2337}" type="datetimeFigureOut">
               <a:rPr lang="nl-BE" smtClean="0"/>
-              <a:t>13/10/2020</a:t>
+              <a:t>22/01/2021</a:t>
             </a:fld>
             <a:endParaRPr lang="nl-BE"/>
           </a:p>
@@ -2302,7 +2334,7 @@
           <a:p>
             <a:fld id="{21F21368-17C6-4870-9BCB-BC49B72EC322}" type="datetimeFigureOut">
               <a:rPr lang="nl-BE" smtClean="0"/>
-              <a:t>13/10/2020</a:t>
+              <a:t>22/01/2021</a:t>
             </a:fld>
             <a:endParaRPr lang="nl-BE"/>
           </a:p>
@@ -2472,7 +2504,7 @@
           <a:p>
             <a:fld id="{21F21368-17C6-4870-9BCB-BC49B72EC322}" type="datetimeFigureOut">
               <a:rPr lang="nl-BE" smtClean="0"/>
-              <a:t>13/10/2020</a:t>
+              <a:t>22/01/2021</a:t>
             </a:fld>
             <a:endParaRPr lang="nl-BE"/>
           </a:p>
@@ -2652,7 +2684,7 @@
           <a:p>
             <a:fld id="{21F21368-17C6-4870-9BCB-BC49B72EC322}" type="datetimeFigureOut">
               <a:rPr lang="nl-BE" smtClean="0"/>
-              <a:t>13/10/2020</a:t>
+              <a:t>22/01/2021</a:t>
             </a:fld>
             <a:endParaRPr lang="nl-BE"/>
           </a:p>
@@ -3166,7 +3198,7 @@
           <a:p>
             <a:fld id="{21F21368-17C6-4870-9BCB-BC49B72EC322}" type="datetimeFigureOut">
               <a:rPr lang="nl-BE" smtClean="0"/>
-              <a:t>13/10/2020</a:t>
+              <a:t>22/01/2021</a:t>
             </a:fld>
             <a:endParaRPr lang="nl-BE"/>
           </a:p>
@@ -3412,7 +3444,7 @@
           <a:p>
             <a:fld id="{21F21368-17C6-4870-9BCB-BC49B72EC322}" type="datetimeFigureOut">
               <a:rPr lang="nl-BE" smtClean="0"/>
-              <a:t>13/10/2020</a:t>
+              <a:t>22/01/2021</a:t>
             </a:fld>
             <a:endParaRPr lang="nl-BE"/>
           </a:p>
@@ -3644,7 +3676,7 @@
           <a:p>
             <a:fld id="{21F21368-17C6-4870-9BCB-BC49B72EC322}" type="datetimeFigureOut">
               <a:rPr lang="nl-BE" smtClean="0"/>
-              <a:t>13/10/2020</a:t>
+              <a:t>22/01/2021</a:t>
             </a:fld>
             <a:endParaRPr lang="nl-BE"/>
           </a:p>
@@ -4011,7 +4043,7 @@
           <a:p>
             <a:fld id="{21F21368-17C6-4870-9BCB-BC49B72EC322}" type="datetimeFigureOut">
               <a:rPr lang="nl-BE" smtClean="0"/>
-              <a:t>13/10/2020</a:t>
+              <a:t>22/01/2021</a:t>
             </a:fld>
             <a:endParaRPr lang="nl-BE"/>
           </a:p>
@@ -4129,7 +4161,7 @@
           <a:p>
             <a:fld id="{21F21368-17C6-4870-9BCB-BC49B72EC322}" type="datetimeFigureOut">
               <a:rPr lang="nl-BE" smtClean="0"/>
-              <a:t>13/10/2020</a:t>
+              <a:t>22/01/2021</a:t>
             </a:fld>
             <a:endParaRPr lang="nl-BE"/>
           </a:p>
@@ -4224,7 +4256,7 @@
           <a:p>
             <a:fld id="{21F21368-17C6-4870-9BCB-BC49B72EC322}" type="datetimeFigureOut">
               <a:rPr lang="nl-BE" smtClean="0"/>
-              <a:t>13/10/2020</a:t>
+              <a:t>22/01/2021</a:t>
             </a:fld>
             <a:endParaRPr lang="nl-BE"/>
           </a:p>
@@ -4501,7 +4533,7 @@
           <a:p>
             <a:fld id="{21F21368-17C6-4870-9BCB-BC49B72EC322}" type="datetimeFigureOut">
               <a:rPr lang="nl-BE" smtClean="0"/>
-              <a:t>13/10/2020</a:t>
+              <a:t>22/01/2021</a:t>
             </a:fld>
             <a:endParaRPr lang="nl-BE"/>
           </a:p>
@@ -4758,7 +4790,7 @@
           <a:p>
             <a:fld id="{21F21368-17C6-4870-9BCB-BC49B72EC322}" type="datetimeFigureOut">
               <a:rPr lang="nl-BE" smtClean="0"/>
-              <a:t>13/10/2020</a:t>
+              <a:t>22/01/2021</a:t>
             </a:fld>
             <a:endParaRPr lang="nl-BE"/>
           </a:p>
@@ -4971,7 +5003,7 @@
           <a:p>
             <a:fld id="{21F21368-17C6-4870-9BCB-BC49B72EC322}" type="datetimeFigureOut">
               <a:rPr lang="nl-BE" smtClean="0"/>
-              <a:t>13/10/2020</a:t>
+              <a:t>22/01/2021</a:t>
             </a:fld>
             <a:endParaRPr lang="nl-BE"/>
           </a:p>
@@ -16850,11 +16882,7 @@
             <a:pPr lvl="1"/>
             <a:r>
               <a:rPr lang="en-US" dirty="0"/>
-              <a:t>And software defined raid, which Microsoft is trying </a:t>
-            </a:r>
-            <a:r>
-              <a:rPr lang="en-US"/>
-              <a:t>to re-implement</a:t>
+              <a:t>And software defined raid, which Microsoft is trying to re-implement</a:t>
             </a:r>
             <a:endParaRPr lang="en-GB" dirty="0"/>
           </a:p>

--- a/Filesystem/File System.pptx
+++ b/Filesystem/File System.pptx
@@ -5,7 +5,7 @@
     <p:sldMasterId id="2147483661" r:id="rId1"/>
   </p:sldMasterIdLst>
   <p:notesMasterIdLst>
-    <p:notesMasterId r:id="rId35"/>
+    <p:notesMasterId r:id="rId36"/>
   </p:notesMasterIdLst>
   <p:sldIdLst>
     <p:sldId id="257" r:id="rId2"/>
@@ -32,15 +32,16 @@
     <p:sldId id="323" r:id="rId23"/>
     <p:sldId id="324" r:id="rId24"/>
     <p:sldId id="325" r:id="rId25"/>
-    <p:sldId id="333" r:id="rId26"/>
-    <p:sldId id="334" r:id="rId27"/>
-    <p:sldId id="326" r:id="rId28"/>
-    <p:sldId id="327" r:id="rId29"/>
-    <p:sldId id="328" r:id="rId30"/>
-    <p:sldId id="331" r:id="rId31"/>
-    <p:sldId id="332" r:id="rId32"/>
-    <p:sldId id="337" r:id="rId33"/>
-    <p:sldId id="274" r:id="rId34"/>
+    <p:sldId id="339" r:id="rId26"/>
+    <p:sldId id="333" r:id="rId27"/>
+    <p:sldId id="334" r:id="rId28"/>
+    <p:sldId id="326" r:id="rId29"/>
+    <p:sldId id="327" r:id="rId30"/>
+    <p:sldId id="328" r:id="rId31"/>
+    <p:sldId id="331" r:id="rId32"/>
+    <p:sldId id="332" r:id="rId33"/>
+    <p:sldId id="337" r:id="rId34"/>
+    <p:sldId id="274" r:id="rId35"/>
   </p:sldIdLst>
   <p:sldSz cx="12192000" cy="6858000"/>
   <p:notesSz cx="6858000" cy="9144000"/>
@@ -180,6 +181,7 @@
             <p14:sldId id="323"/>
             <p14:sldId id="324"/>
             <p14:sldId id="325"/>
+            <p14:sldId id="339"/>
             <p14:sldId id="333"/>
             <p14:sldId id="334"/>
             <p14:sldId id="326"/>
@@ -211,24 +213,32 @@
 <file path=ppt/changesInfos/changesInfo1.xml><?xml version="1.0" encoding="utf-8"?>
 <pc:chgInfo xmlns:a="http://schemas.openxmlformats.org/drawingml/2006/main" xmlns:r="http://schemas.openxmlformats.org/officeDocument/2006/relationships" xmlns:ac="http://schemas.microsoft.com/office/drawing/2013/main/command" xmlns:pc="http://schemas.microsoft.com/office/powerpoint/2013/main/command">
   <pc:docChgLst>
-    <pc:chgData name="Jochen Mariën" userId="a4f8d9ed-3895-4365-b2d5-9432cb8a20d4" providerId="ADAL" clId="{FAAE377D-8110-4782-B72A-DA0C336E5F7B}"/>
-    <pc:docChg chg="modSld">
-      <pc:chgData name="Jochen Mariën" userId="a4f8d9ed-3895-4365-b2d5-9432cb8a20d4" providerId="ADAL" clId="{FAAE377D-8110-4782-B72A-DA0C336E5F7B}" dt="2021-01-22T10:17:08.993" v="1" actId="20578"/>
+    <pc:chgData name="Jochen Mariën" userId="a4f8d9ed-3895-4365-b2d5-9432cb8a20d4" providerId="ADAL" clId="{933B4E41-C7CC-43AC-8F0D-B577AE9EA37E}"/>
+    <pc:docChg chg="custSel addSld modSld">
+      <pc:chgData name="Jochen Mariën" userId="a4f8d9ed-3895-4365-b2d5-9432cb8a20d4" providerId="ADAL" clId="{933B4E41-C7CC-43AC-8F0D-B577AE9EA37E}" dt="2018-03-13T13:29:48.824" v="645" actId="20577"/>
       <pc:docMkLst>
         <pc:docMk/>
       </pc:docMkLst>
-      <pc:sldChg chg="modSp">
-        <pc:chgData name="Jochen Mariën" userId="a4f8d9ed-3895-4365-b2d5-9432cb8a20d4" providerId="ADAL" clId="{FAAE377D-8110-4782-B72A-DA0C336E5F7B}" dt="2021-01-22T10:17:08.993" v="1" actId="20578"/>
+      <pc:sldChg chg="modSp add">
+        <pc:chgData name="Jochen Mariën" userId="a4f8d9ed-3895-4365-b2d5-9432cb8a20d4" providerId="ADAL" clId="{933B4E41-C7CC-43AC-8F0D-B577AE9EA37E}" dt="2018-03-13T13:29:48.824" v="645" actId="20577"/>
         <pc:sldMkLst>
           <pc:docMk/>
-          <pc:sldMk cId="1208843983" sldId="332"/>
+          <pc:sldMk cId="3373657702" sldId="338"/>
         </pc:sldMkLst>
         <pc:spChg chg="mod">
-          <ac:chgData name="Jochen Mariën" userId="a4f8d9ed-3895-4365-b2d5-9432cb8a20d4" providerId="ADAL" clId="{FAAE377D-8110-4782-B72A-DA0C336E5F7B}" dt="2021-01-22T10:17:08.993" v="1" actId="20578"/>
+          <ac:chgData name="Jochen Mariën" userId="a4f8d9ed-3895-4365-b2d5-9432cb8a20d4" providerId="ADAL" clId="{933B4E41-C7CC-43AC-8F0D-B577AE9EA37E}" dt="2018-03-13T13:26:59.748" v="10" actId="20577"/>
           <ac:spMkLst>
             <pc:docMk/>
-            <pc:sldMk cId="1208843983" sldId="332"/>
-            <ac:spMk id="7" creationId="{00000000-0000-0000-0000-000000000000}"/>
+            <pc:sldMk cId="3373657702" sldId="338"/>
+            <ac:spMk id="2" creationId="{16229A76-899A-45A8-B201-3A24B3B98780}"/>
+          </ac:spMkLst>
+        </pc:spChg>
+        <pc:spChg chg="mod">
+          <ac:chgData name="Jochen Mariën" userId="a4f8d9ed-3895-4365-b2d5-9432cb8a20d4" providerId="ADAL" clId="{933B4E41-C7CC-43AC-8F0D-B577AE9EA37E}" dt="2018-03-13T13:29:48.824" v="645" actId="20577"/>
+          <ac:spMkLst>
+            <pc:docMk/>
+            <pc:sldMk cId="3373657702" sldId="338"/>
+            <ac:spMk id="3" creationId="{74FE7EA5-95F7-4BEE-9B38-B9F714A0F372}"/>
           </ac:spMkLst>
         </pc:spChg>
       </pc:sldChg>
@@ -259,32 +269,24 @@
     </pc:docChg>
   </pc:docChgLst>
   <pc:docChgLst>
-    <pc:chgData name="Jochen Mariën" userId="a4f8d9ed-3895-4365-b2d5-9432cb8a20d4" providerId="ADAL" clId="{933B4E41-C7CC-43AC-8F0D-B577AE9EA37E}"/>
-    <pc:docChg chg="custSel addSld modSld">
-      <pc:chgData name="Jochen Mariën" userId="a4f8d9ed-3895-4365-b2d5-9432cb8a20d4" providerId="ADAL" clId="{933B4E41-C7CC-43AC-8F0D-B577AE9EA37E}" dt="2018-03-13T13:29:48.824" v="645" actId="20577"/>
+    <pc:chgData name="Jochen Mariën" userId="a4f8d9ed-3895-4365-b2d5-9432cb8a20d4" providerId="ADAL" clId="{FAAE377D-8110-4782-B72A-DA0C336E5F7B}"/>
+    <pc:docChg chg="modSld">
+      <pc:chgData name="Jochen Mariën" userId="a4f8d9ed-3895-4365-b2d5-9432cb8a20d4" providerId="ADAL" clId="{FAAE377D-8110-4782-B72A-DA0C336E5F7B}" dt="2021-01-22T10:17:08.993" v="1" actId="20578"/>
       <pc:docMkLst>
         <pc:docMk/>
       </pc:docMkLst>
-      <pc:sldChg chg="modSp add">
-        <pc:chgData name="Jochen Mariën" userId="a4f8d9ed-3895-4365-b2d5-9432cb8a20d4" providerId="ADAL" clId="{933B4E41-C7CC-43AC-8F0D-B577AE9EA37E}" dt="2018-03-13T13:29:48.824" v="645" actId="20577"/>
+      <pc:sldChg chg="modSp">
+        <pc:chgData name="Jochen Mariën" userId="a4f8d9ed-3895-4365-b2d5-9432cb8a20d4" providerId="ADAL" clId="{FAAE377D-8110-4782-B72A-DA0C336E5F7B}" dt="2021-01-22T10:17:08.993" v="1" actId="20578"/>
         <pc:sldMkLst>
           <pc:docMk/>
-          <pc:sldMk cId="3373657702" sldId="338"/>
+          <pc:sldMk cId="1208843983" sldId="332"/>
         </pc:sldMkLst>
         <pc:spChg chg="mod">
-          <ac:chgData name="Jochen Mariën" userId="a4f8d9ed-3895-4365-b2d5-9432cb8a20d4" providerId="ADAL" clId="{933B4E41-C7CC-43AC-8F0D-B577AE9EA37E}" dt="2018-03-13T13:26:59.748" v="10" actId="20577"/>
+          <ac:chgData name="Jochen Mariën" userId="a4f8d9ed-3895-4365-b2d5-9432cb8a20d4" providerId="ADAL" clId="{FAAE377D-8110-4782-B72A-DA0C336E5F7B}" dt="2021-01-22T10:17:08.993" v="1" actId="20578"/>
           <ac:spMkLst>
             <pc:docMk/>
-            <pc:sldMk cId="3373657702" sldId="338"/>
-            <ac:spMk id="2" creationId="{16229A76-899A-45A8-B201-3A24B3B98780}"/>
-          </ac:spMkLst>
-        </pc:spChg>
-        <pc:spChg chg="mod">
-          <ac:chgData name="Jochen Mariën" userId="a4f8d9ed-3895-4365-b2d5-9432cb8a20d4" providerId="ADAL" clId="{933B4E41-C7CC-43AC-8F0D-B577AE9EA37E}" dt="2018-03-13T13:29:48.824" v="645" actId="20577"/>
-          <ac:spMkLst>
-            <pc:docMk/>
-            <pc:sldMk cId="3373657702" sldId="338"/>
-            <ac:spMk id="3" creationId="{74FE7EA5-95F7-4BEE-9B38-B9F714A0F372}"/>
+            <pc:sldMk cId="1208843983" sldId="332"/>
+            <ac:spMk id="7" creationId="{00000000-0000-0000-0000-000000000000}"/>
           </ac:spMkLst>
         </pc:spChg>
       </pc:sldChg>
@@ -375,7 +377,7 @@
           <a:p>
             <a:fld id="{3C1CD153-15DE-46E9-BB45-7F70E88D2337}" type="datetimeFigureOut">
               <a:rPr lang="nl-BE" smtClean="0"/>
-              <a:t>22/01/2021</a:t>
+              <a:t>23/05/2023</a:t>
             </a:fld>
             <a:endParaRPr lang="nl-BE"/>
           </a:p>
@@ -534,7 +536,7 @@
           <a:p>
             <a:fld id="{86518AAE-73D8-4A7F-BD2A-F3659414D35C}" type="slidenum">
               <a:rPr lang="nl-BE" smtClean="0"/>
-              <a:t>‹#›</a:t>
+              <a:t>‹nr.›</a:t>
             </a:fld>
             <a:endParaRPr lang="nl-BE"/>
           </a:p>
@@ -1898,7 +1900,7 @@
           <a:p>
             <a:fld id="{86518AAE-73D8-4A7F-BD2A-F3659414D35C}" type="slidenum">
               <a:rPr lang="nl-BE" smtClean="0"/>
-              <a:t>29</a:t>
+              <a:t>30</a:t>
             </a:fld>
             <a:endParaRPr lang="nl-BE"/>
           </a:p>
@@ -2094,7 +2096,7 @@
           <a:p>
             <a:fld id="{86518AAE-73D8-4A7F-BD2A-F3659414D35C}" type="slidenum">
               <a:rPr lang="nl-BE" smtClean="0"/>
-              <a:t>30</a:t>
+              <a:t>31</a:t>
             </a:fld>
             <a:endParaRPr lang="nl-BE"/>
           </a:p>
@@ -2184,7 +2186,7 @@
           <a:p>
             <a:fld id="{86518AAE-73D8-4A7F-BD2A-F3659414D35C}" type="slidenum">
               <a:rPr lang="nl-BE" smtClean="0"/>
-              <a:t>31</a:t>
+              <a:t>32</a:t>
             </a:fld>
             <a:endParaRPr lang="nl-BE"/>
           </a:p>
@@ -2334,7 +2336,7 @@
           <a:p>
             <a:fld id="{21F21368-17C6-4870-9BCB-BC49B72EC322}" type="datetimeFigureOut">
               <a:rPr lang="nl-BE" smtClean="0"/>
-              <a:t>22/01/2021</a:t>
+              <a:t>23/05/2023</a:t>
             </a:fld>
             <a:endParaRPr lang="nl-BE"/>
           </a:p>
@@ -2376,7 +2378,7 @@
           <a:p>
             <a:fld id="{D92E16BA-4A14-44E5-AD93-051CA6FDCB01}" type="slidenum">
               <a:rPr lang="nl-BE" smtClean="0"/>
-              <a:t>‹#›</a:t>
+              <a:t>‹nr.›</a:t>
             </a:fld>
             <a:endParaRPr lang="nl-BE"/>
           </a:p>
@@ -2504,7 +2506,7 @@
           <a:p>
             <a:fld id="{21F21368-17C6-4870-9BCB-BC49B72EC322}" type="datetimeFigureOut">
               <a:rPr lang="nl-BE" smtClean="0"/>
-              <a:t>22/01/2021</a:t>
+              <a:t>23/05/2023</a:t>
             </a:fld>
             <a:endParaRPr lang="nl-BE"/>
           </a:p>
@@ -2546,7 +2548,7 @@
           <a:p>
             <a:fld id="{D92E16BA-4A14-44E5-AD93-051CA6FDCB01}" type="slidenum">
               <a:rPr lang="nl-BE" smtClean="0"/>
-              <a:t>‹#›</a:t>
+              <a:t>‹nr.›</a:t>
             </a:fld>
             <a:endParaRPr lang="nl-BE"/>
           </a:p>
@@ -2684,7 +2686,7 @@
           <a:p>
             <a:fld id="{21F21368-17C6-4870-9BCB-BC49B72EC322}" type="datetimeFigureOut">
               <a:rPr lang="nl-BE" smtClean="0"/>
-              <a:t>22/01/2021</a:t>
+              <a:t>23/05/2023</a:t>
             </a:fld>
             <a:endParaRPr lang="nl-BE"/>
           </a:p>
@@ -2726,7 +2728,7 @@
           <a:p>
             <a:fld id="{D92E16BA-4A14-44E5-AD93-051CA6FDCB01}" type="slidenum">
               <a:rPr lang="nl-BE" smtClean="0"/>
-              <a:t>‹#›</a:t>
+              <a:t>‹nr.›</a:t>
             </a:fld>
             <a:endParaRPr lang="nl-BE"/>
           </a:p>
@@ -3198,7 +3200,7 @@
           <a:p>
             <a:fld id="{21F21368-17C6-4870-9BCB-BC49B72EC322}" type="datetimeFigureOut">
               <a:rPr lang="nl-BE" smtClean="0"/>
-              <a:t>22/01/2021</a:t>
+              <a:t>23/05/2023</a:t>
             </a:fld>
             <a:endParaRPr lang="nl-BE"/>
           </a:p>
@@ -3240,7 +3242,7 @@
           <a:p>
             <a:fld id="{D92E16BA-4A14-44E5-AD93-051CA6FDCB01}" type="slidenum">
               <a:rPr lang="nl-BE" smtClean="0"/>
-              <a:t>‹#›</a:t>
+              <a:t>‹nr.›</a:t>
             </a:fld>
             <a:endParaRPr lang="nl-BE"/>
           </a:p>
@@ -3444,7 +3446,7 @@
           <a:p>
             <a:fld id="{21F21368-17C6-4870-9BCB-BC49B72EC322}" type="datetimeFigureOut">
               <a:rPr lang="nl-BE" smtClean="0"/>
-              <a:t>22/01/2021</a:t>
+              <a:t>23/05/2023</a:t>
             </a:fld>
             <a:endParaRPr lang="nl-BE"/>
           </a:p>
@@ -3486,7 +3488,7 @@
           <a:p>
             <a:fld id="{D92E16BA-4A14-44E5-AD93-051CA6FDCB01}" type="slidenum">
               <a:rPr lang="nl-BE" smtClean="0"/>
-              <a:t>‹#›</a:t>
+              <a:t>‹nr.›</a:t>
             </a:fld>
             <a:endParaRPr lang="nl-BE"/>
           </a:p>
@@ -3676,7 +3678,7 @@
           <a:p>
             <a:fld id="{21F21368-17C6-4870-9BCB-BC49B72EC322}" type="datetimeFigureOut">
               <a:rPr lang="nl-BE" smtClean="0"/>
-              <a:t>22/01/2021</a:t>
+              <a:t>23/05/2023</a:t>
             </a:fld>
             <a:endParaRPr lang="nl-BE"/>
           </a:p>
@@ -3718,7 +3720,7 @@
           <a:p>
             <a:fld id="{D92E16BA-4A14-44E5-AD93-051CA6FDCB01}" type="slidenum">
               <a:rPr lang="nl-BE" smtClean="0"/>
-              <a:t>‹#›</a:t>
+              <a:t>‹nr.›</a:t>
             </a:fld>
             <a:endParaRPr lang="nl-BE"/>
           </a:p>
@@ -4043,7 +4045,7 @@
           <a:p>
             <a:fld id="{21F21368-17C6-4870-9BCB-BC49B72EC322}" type="datetimeFigureOut">
               <a:rPr lang="nl-BE" smtClean="0"/>
-              <a:t>22/01/2021</a:t>
+              <a:t>23/05/2023</a:t>
             </a:fld>
             <a:endParaRPr lang="nl-BE"/>
           </a:p>
@@ -4085,7 +4087,7 @@
           <a:p>
             <a:fld id="{D92E16BA-4A14-44E5-AD93-051CA6FDCB01}" type="slidenum">
               <a:rPr lang="nl-BE" smtClean="0"/>
-              <a:t>‹#›</a:t>
+              <a:t>‹nr.›</a:t>
             </a:fld>
             <a:endParaRPr lang="nl-BE"/>
           </a:p>
@@ -4161,7 +4163,7 @@
           <a:p>
             <a:fld id="{21F21368-17C6-4870-9BCB-BC49B72EC322}" type="datetimeFigureOut">
               <a:rPr lang="nl-BE" smtClean="0"/>
-              <a:t>22/01/2021</a:t>
+              <a:t>23/05/2023</a:t>
             </a:fld>
             <a:endParaRPr lang="nl-BE"/>
           </a:p>
@@ -4203,7 +4205,7 @@
           <a:p>
             <a:fld id="{D92E16BA-4A14-44E5-AD93-051CA6FDCB01}" type="slidenum">
               <a:rPr lang="nl-BE" smtClean="0"/>
-              <a:t>‹#›</a:t>
+              <a:t>‹nr.›</a:t>
             </a:fld>
             <a:endParaRPr lang="nl-BE"/>
           </a:p>
@@ -4256,7 +4258,7 @@
           <a:p>
             <a:fld id="{21F21368-17C6-4870-9BCB-BC49B72EC322}" type="datetimeFigureOut">
               <a:rPr lang="nl-BE" smtClean="0"/>
-              <a:t>22/01/2021</a:t>
+              <a:t>23/05/2023</a:t>
             </a:fld>
             <a:endParaRPr lang="nl-BE"/>
           </a:p>
@@ -4298,7 +4300,7 @@
           <a:p>
             <a:fld id="{D92E16BA-4A14-44E5-AD93-051CA6FDCB01}" type="slidenum">
               <a:rPr lang="nl-BE" smtClean="0"/>
-              <a:t>‹#›</a:t>
+              <a:t>‹nr.›</a:t>
             </a:fld>
             <a:endParaRPr lang="nl-BE"/>
           </a:p>
@@ -4533,7 +4535,7 @@
           <a:p>
             <a:fld id="{21F21368-17C6-4870-9BCB-BC49B72EC322}" type="datetimeFigureOut">
               <a:rPr lang="nl-BE" smtClean="0"/>
-              <a:t>22/01/2021</a:t>
+              <a:t>23/05/2023</a:t>
             </a:fld>
             <a:endParaRPr lang="nl-BE"/>
           </a:p>
@@ -4575,7 +4577,7 @@
           <a:p>
             <a:fld id="{D92E16BA-4A14-44E5-AD93-051CA6FDCB01}" type="slidenum">
               <a:rPr lang="nl-BE" smtClean="0"/>
-              <a:t>‹#›</a:t>
+              <a:t>‹nr.›</a:t>
             </a:fld>
             <a:endParaRPr lang="nl-BE"/>
           </a:p>
@@ -4790,7 +4792,7 @@
           <a:p>
             <a:fld id="{21F21368-17C6-4870-9BCB-BC49B72EC322}" type="datetimeFigureOut">
               <a:rPr lang="nl-BE" smtClean="0"/>
-              <a:t>22/01/2021</a:t>
+              <a:t>23/05/2023</a:t>
             </a:fld>
             <a:endParaRPr lang="nl-BE"/>
           </a:p>
@@ -4832,7 +4834,7 @@
           <a:p>
             <a:fld id="{D92E16BA-4A14-44E5-AD93-051CA6FDCB01}" type="slidenum">
               <a:rPr lang="nl-BE" smtClean="0"/>
-              <a:t>‹#›</a:t>
+              <a:t>‹nr.›</a:t>
             </a:fld>
             <a:endParaRPr lang="nl-BE"/>
           </a:p>
@@ -5003,7 +5005,7 @@
           <a:p>
             <a:fld id="{21F21368-17C6-4870-9BCB-BC49B72EC322}" type="datetimeFigureOut">
               <a:rPr lang="nl-BE" smtClean="0"/>
-              <a:t>22/01/2021</a:t>
+              <a:t>23/05/2023</a:t>
             </a:fld>
             <a:endParaRPr lang="nl-BE"/>
           </a:p>
@@ -5081,7 +5083,7 @@
           <a:p>
             <a:fld id="{D92E16BA-4A14-44E5-AD93-051CA6FDCB01}" type="slidenum">
               <a:rPr lang="nl-BE" smtClean="0"/>
-              <a:t>‹#›</a:t>
+              <a:t>‹nr.›</a:t>
             </a:fld>
             <a:endParaRPr lang="nl-BE"/>
           </a:p>
@@ -11862,7 +11864,7 @@
               <a:t> </a:t>
             </a:r>
             <a:r>
-              <a:rPr lang="en-US" dirty="0" err="1">
+              <a:rPr lang="en-US" dirty="0">
                 <a:solidFill>
                   <a:srgbClr val="8A2BE2"/>
                 </a:solidFill>
@@ -12015,6 +12017,719 @@
 </file>
 
 <file path=ppt/slides/slide25.xml><?xml version="1.0" encoding="utf-8"?>
+<p:sld xmlns:a="http://schemas.openxmlformats.org/drawingml/2006/main" xmlns:r="http://schemas.openxmlformats.org/officeDocument/2006/relationships" xmlns:p="http://schemas.openxmlformats.org/presentationml/2006/main">
+  <p:cSld>
+    <p:spTree>
+      <p:nvGrpSpPr>
+        <p:cNvPr id="1" name=""/>
+        <p:cNvGrpSpPr/>
+        <p:nvPr/>
+      </p:nvGrpSpPr>
+      <p:grpSpPr>
+        <a:xfrm>
+          <a:off x="0" y="0"/>
+          <a:ext cx="0" cy="0"/>
+          <a:chOff x="0" y="0"/>
+          <a:chExt cx="0" cy="0"/>
+        </a:xfrm>
+      </p:grpSpPr>
+      <p:sp>
+        <p:nvSpPr>
+          <p:cNvPr id="2" name="Titel 1">
+            <a:extLst>
+              <a:ext uri="{FF2B5EF4-FFF2-40B4-BE49-F238E27FC236}">
+                <a16:creationId xmlns:a16="http://schemas.microsoft.com/office/drawing/2014/main" id="{66AF962C-2DFF-1BB3-9E78-586032DE6733}"/>
+              </a:ext>
+            </a:extLst>
+          </p:cNvPr>
+          <p:cNvSpPr>
+            <a:spLocks noGrp="1"/>
+          </p:cNvSpPr>
+          <p:nvPr>
+            <p:ph type="title"/>
+          </p:nvPr>
+        </p:nvSpPr>
+        <p:spPr/>
+        <p:txBody>
+          <a:bodyPr/>
+          <a:lstStyle/>
+          <a:p>
+            <a:r>
+              <a:rPr lang="en-US" dirty="0"/>
+              <a:t>Creating a new ACE</a:t>
+            </a:r>
+            <a:endParaRPr lang="nl-BE" dirty="0"/>
+          </a:p>
+        </p:txBody>
+      </p:sp>
+      <p:sp>
+        <p:nvSpPr>
+          <p:cNvPr id="3" name="Tijdelijke aanduiding voor inhoud 2">
+            <a:extLst>
+              <a:ext uri="{FF2B5EF4-FFF2-40B4-BE49-F238E27FC236}">
+                <a16:creationId xmlns:a16="http://schemas.microsoft.com/office/drawing/2014/main" id="{6DA68802-F503-54F1-40A7-212BF4E0EC6C}"/>
+              </a:ext>
+            </a:extLst>
+          </p:cNvPr>
+          <p:cNvSpPr>
+            <a:spLocks noGrp="1"/>
+          </p:cNvSpPr>
+          <p:nvPr>
+            <p:ph idx="1"/>
+          </p:nvPr>
+        </p:nvSpPr>
+        <p:spPr/>
+        <p:txBody>
+          <a:bodyPr/>
+          <a:lstStyle/>
+          <a:p>
+            <a:r>
+              <a:rPr lang="nl-NL" dirty="0" err="1"/>
+              <a:t>Nowadays</a:t>
+            </a:r>
+            <a:r>
+              <a:rPr lang="nl-NL" dirty="0"/>
+              <a:t> </a:t>
+            </a:r>
+            <a:r>
+              <a:rPr lang="nl-NL" dirty="0" err="1"/>
+              <a:t>the</a:t>
+            </a:r>
+            <a:r>
+              <a:rPr lang="nl-NL" dirty="0"/>
+              <a:t> </a:t>
+            </a:r>
+            <a:r>
+              <a:rPr lang="nl-NL" dirty="0" err="1"/>
+              <a:t>reference</a:t>
+            </a:r>
+            <a:r>
+              <a:rPr lang="nl-NL" dirty="0"/>
+              <a:t> </a:t>
+            </a:r>
+            <a:r>
+              <a:rPr lang="nl-NL" dirty="0" err="1"/>
+              <a:t>to</a:t>
+            </a:r>
+            <a:r>
+              <a:rPr lang="nl-NL" dirty="0"/>
+              <a:t> </a:t>
+            </a:r>
+            <a:r>
+              <a:rPr lang="nl-NL" dirty="0" err="1"/>
+              <a:t>the</a:t>
+            </a:r>
+            <a:r>
+              <a:rPr lang="nl-NL" dirty="0"/>
+              <a:t> </a:t>
+            </a:r>
+            <a:r>
+              <a:rPr lang="nl-NL" dirty="0" err="1"/>
+              <a:t>AccessControl</a:t>
+            </a:r>
+            <a:r>
+              <a:rPr lang="nl-NL" dirty="0"/>
+              <a:t> </a:t>
+            </a:r>
+            <a:r>
+              <a:rPr lang="nl-NL" dirty="0" err="1"/>
+              <a:t>namespace</a:t>
+            </a:r>
+            <a:r>
+              <a:rPr lang="nl-NL" dirty="0"/>
+              <a:t> is </a:t>
+            </a:r>
+            <a:r>
+              <a:rPr lang="nl-NL" dirty="0" err="1"/>
+              <a:t>only</a:t>
+            </a:r>
+            <a:r>
+              <a:rPr lang="nl-NL" dirty="0"/>
+              <a:t> </a:t>
+            </a:r>
+            <a:r>
+              <a:rPr lang="nl-NL" dirty="0" err="1"/>
+              <a:t>needed</a:t>
+            </a:r>
+            <a:r>
+              <a:rPr lang="nl-NL" dirty="0"/>
+              <a:t> </a:t>
+            </a:r>
+            <a:r>
+              <a:rPr lang="nl-NL" dirty="0" err="1"/>
+              <a:t>when</a:t>
+            </a:r>
+            <a:r>
+              <a:rPr lang="nl-NL" dirty="0"/>
+              <a:t> </a:t>
+            </a:r>
+            <a:r>
+              <a:rPr lang="nl-NL" dirty="0" err="1"/>
+              <a:t>creating</a:t>
+            </a:r>
+            <a:r>
+              <a:rPr lang="nl-NL" dirty="0"/>
+              <a:t> </a:t>
+            </a:r>
+            <a:r>
+              <a:rPr lang="nl-NL" dirty="0" err="1"/>
+              <a:t>the</a:t>
+            </a:r>
+            <a:r>
+              <a:rPr lang="nl-NL" dirty="0"/>
+              <a:t> Access </a:t>
+            </a:r>
+            <a:r>
+              <a:rPr lang="nl-NL" dirty="0" err="1"/>
+              <a:t>rule</a:t>
+            </a:r>
+            <a:r>
+              <a:rPr lang="nl-NL" dirty="0"/>
+              <a:t> object</a:t>
+            </a:r>
+            <a:r>
+              <a:rPr lang="en-GB" dirty="0"/>
+              <a:t>:</a:t>
+            </a:r>
+          </a:p>
+          <a:p>
+            <a:pPr marL="0" indent="0">
+              <a:buNone/>
+            </a:pPr>
+            <a:endParaRPr lang="en-GB" dirty="0"/>
+          </a:p>
+          <a:p>
+            <a:pPr marL="0" marR="0" lvl="0" indent="0" algn="l" defTabSz="457200" rtl="0" eaLnBrk="1" fontAlgn="auto" latinLnBrk="0" hangingPunct="1">
+              <a:lnSpc>
+                <a:spcPct val="100000"/>
+              </a:lnSpc>
+              <a:spcBef>
+                <a:spcPts val="0"/>
+              </a:spcBef>
+              <a:spcAft>
+                <a:spcPts val="0"/>
+              </a:spcAft>
+              <a:buClrTx/>
+              <a:buSzTx/>
+              <a:buFontTx/>
+              <a:buNone/>
+              <a:tabLst/>
+              <a:defRPr/>
+            </a:pPr>
+            <a:r>
+              <a:rPr kumimoji="0" lang="en-US" sz="1800" b="0" i="0" u="none" strike="noStrike" kern="1200" cap="none" spc="0" normalizeH="0" baseline="0" noProof="0" dirty="0">
+                <a:ln>
+                  <a:noFill/>
+                </a:ln>
+                <a:solidFill>
+                  <a:srgbClr val="FF4500"/>
+                </a:solidFill>
+                <a:effectLst/>
+                <a:uLnTx/>
+                <a:uFillTx/>
+                <a:latin typeface="Lucida Console" panose="020B0609040504020204" pitchFamily="49" charset="0"/>
+                <a:ea typeface="+mn-ea"/>
+                <a:cs typeface="+mn-cs"/>
+              </a:rPr>
+              <a:t>$</a:t>
+            </a:r>
+            <a:r>
+              <a:rPr kumimoji="0" lang="en-US" sz="1800" b="0" i="0" u="none" strike="noStrike" kern="1200" cap="none" spc="0" normalizeH="0" baseline="0" noProof="0" dirty="0" err="1">
+                <a:ln>
+                  <a:noFill/>
+                </a:ln>
+                <a:solidFill>
+                  <a:srgbClr val="FF4500"/>
+                </a:solidFill>
+                <a:effectLst/>
+                <a:uLnTx/>
+                <a:uFillTx/>
+                <a:latin typeface="Lucida Console" panose="020B0609040504020204" pitchFamily="49" charset="0"/>
+                <a:ea typeface="+mn-ea"/>
+                <a:cs typeface="+mn-cs"/>
+              </a:rPr>
+              <a:t>accessrule</a:t>
+            </a:r>
+            <a:r>
+              <a:rPr kumimoji="0" lang="en-US" sz="1800" b="0" i="0" u="none" strike="noStrike" kern="1200" cap="none" spc="0" normalizeH="0" baseline="0" noProof="0" dirty="0">
+                <a:ln>
+                  <a:noFill/>
+                </a:ln>
+                <a:solidFill>
+                  <a:prstClr val="black"/>
+                </a:solidFill>
+                <a:effectLst/>
+                <a:uLnTx/>
+                <a:uFillTx/>
+                <a:latin typeface="Lucida Console" panose="020B0609040504020204" pitchFamily="49" charset="0"/>
+                <a:ea typeface="+mn-ea"/>
+                <a:cs typeface="+mn-cs"/>
+              </a:rPr>
+              <a:t> </a:t>
+            </a:r>
+            <a:r>
+              <a:rPr kumimoji="0" lang="en-US" sz="1800" b="0" i="0" u="none" strike="noStrike" kern="1200" cap="none" spc="0" normalizeH="0" baseline="0" noProof="0" dirty="0">
+                <a:ln>
+                  <a:noFill/>
+                </a:ln>
+                <a:solidFill>
+                  <a:srgbClr val="A9A9A9"/>
+                </a:solidFill>
+                <a:effectLst/>
+                <a:uLnTx/>
+                <a:uFillTx/>
+                <a:latin typeface="Lucida Console" panose="020B0609040504020204" pitchFamily="49" charset="0"/>
+                <a:ea typeface="+mn-ea"/>
+                <a:cs typeface="+mn-cs"/>
+              </a:rPr>
+              <a:t>=</a:t>
+            </a:r>
+            <a:r>
+              <a:rPr kumimoji="0" lang="en-US" sz="1800" b="0" i="0" u="none" strike="noStrike" kern="1200" cap="none" spc="0" normalizeH="0" baseline="0" noProof="0" dirty="0">
+                <a:ln>
+                  <a:noFill/>
+                </a:ln>
+                <a:solidFill>
+                  <a:prstClr val="black"/>
+                </a:solidFill>
+                <a:effectLst/>
+                <a:uLnTx/>
+                <a:uFillTx/>
+                <a:latin typeface="Lucida Console" panose="020B0609040504020204" pitchFamily="49" charset="0"/>
+                <a:ea typeface="+mn-ea"/>
+                <a:cs typeface="+mn-cs"/>
+              </a:rPr>
+              <a:t> </a:t>
+            </a:r>
+            <a:r>
+              <a:rPr kumimoji="0" lang="en-US" sz="1800" b="0" i="0" u="none" strike="noStrike" kern="1200" cap="none" spc="0" normalizeH="0" baseline="0" noProof="0" dirty="0">
+                <a:ln>
+                  <a:noFill/>
+                </a:ln>
+                <a:solidFill>
+                  <a:srgbClr val="0000FF"/>
+                </a:solidFill>
+                <a:effectLst/>
+                <a:uLnTx/>
+                <a:uFillTx/>
+                <a:latin typeface="Lucida Console" panose="020B0609040504020204" pitchFamily="49" charset="0"/>
+                <a:ea typeface="+mn-ea"/>
+                <a:cs typeface="+mn-cs"/>
+              </a:rPr>
+              <a:t>New-Object</a:t>
+            </a:r>
+            <a:r>
+              <a:rPr lang="en-US" sz="1800" dirty="0">
+                <a:solidFill>
+                  <a:prstClr val="black"/>
+                </a:solidFill>
+                <a:latin typeface="Lucida Console" panose="020B0609040504020204" pitchFamily="49" charset="0"/>
+              </a:rPr>
+              <a:t> </a:t>
+            </a:r>
+            <a:r>
+              <a:rPr kumimoji="0" lang="en-US" sz="1800" b="0" i="0" u="none" strike="noStrike" kern="1200" cap="none" spc="0" normalizeH="0" baseline="0" noProof="0" dirty="0" err="1">
+                <a:ln>
+                  <a:noFill/>
+                </a:ln>
+                <a:solidFill>
+                  <a:srgbClr val="8A2BE2"/>
+                </a:solidFill>
+                <a:effectLst/>
+                <a:uLnTx/>
+                <a:uFillTx/>
+                <a:latin typeface="Lucida Console" panose="020B0609040504020204" pitchFamily="49" charset="0"/>
+                <a:ea typeface="+mn-ea"/>
+                <a:cs typeface="+mn-cs"/>
+              </a:rPr>
+              <a:t>System.Security.AccessControl.FileSystemAccessRule</a:t>
+            </a:r>
+            <a:r>
+              <a:rPr kumimoji="0" lang="en-US" sz="1800" b="0" i="0" u="none" strike="noStrike" kern="1200" cap="none" spc="0" normalizeH="0" baseline="0" noProof="0" dirty="0">
+                <a:ln>
+                  <a:noFill/>
+                </a:ln>
+                <a:solidFill>
+                  <a:prstClr val="black"/>
+                </a:solidFill>
+                <a:effectLst/>
+                <a:uLnTx/>
+                <a:uFillTx/>
+                <a:latin typeface="Lucida Console" panose="020B0609040504020204" pitchFamily="49" charset="0"/>
+                <a:ea typeface="+mn-ea"/>
+                <a:cs typeface="+mn-cs"/>
+              </a:rPr>
+              <a:t>(</a:t>
+            </a:r>
+            <a:r>
+              <a:rPr kumimoji="0" lang="en-GB" sz="1800" b="0" i="0" u="none" strike="noStrike" kern="1200" cap="none" spc="0" normalizeH="0" baseline="0" noProof="0" dirty="0">
+                <a:ln>
+                  <a:noFill/>
+                </a:ln>
+                <a:solidFill>
+                  <a:srgbClr val="8B0000"/>
+                </a:solidFill>
+                <a:effectLst/>
+                <a:uLnTx/>
+                <a:uFillTx/>
+                <a:latin typeface="Lucida Console" panose="020B0609040504020204" pitchFamily="49" charset="0"/>
+                <a:ea typeface="+mn-ea"/>
+                <a:cs typeface="+mn-cs"/>
+              </a:rPr>
+              <a:t>"Everyone"</a:t>
+            </a:r>
+            <a:r>
+              <a:rPr kumimoji="0" lang="en-US" sz="1800" b="0" i="0" u="none" strike="noStrike" kern="1200" cap="none" spc="0" normalizeH="0" baseline="0" noProof="0" dirty="0">
+                <a:ln>
+                  <a:noFill/>
+                </a:ln>
+                <a:solidFill>
+                  <a:prstClr val="black"/>
+                </a:solidFill>
+                <a:effectLst/>
+                <a:uLnTx/>
+                <a:uFillTx/>
+                <a:latin typeface="Lucida Console" panose="020B0609040504020204" pitchFamily="49" charset="0"/>
+                <a:ea typeface="+mn-ea"/>
+                <a:cs typeface="+mn-cs"/>
+              </a:rPr>
+              <a:t>, </a:t>
+            </a:r>
+            <a:r>
+              <a:rPr kumimoji="0" lang="en-GB" sz="1800" b="0" i="0" u="none" strike="noStrike" kern="1200" cap="none" spc="0" normalizeH="0" baseline="0" noProof="0" dirty="0">
+                <a:ln>
+                  <a:noFill/>
+                </a:ln>
+                <a:solidFill>
+                  <a:srgbClr val="8B0000"/>
+                </a:solidFill>
+                <a:effectLst/>
+                <a:uLnTx/>
+                <a:uFillTx/>
+                <a:latin typeface="Lucida Console" panose="020B0609040504020204" pitchFamily="49" charset="0"/>
+                <a:ea typeface="+mn-ea"/>
+                <a:cs typeface="+mn-cs"/>
+              </a:rPr>
+              <a:t>"Read" “</a:t>
+            </a:r>
+            <a:r>
+              <a:rPr kumimoji="0" lang="en-GB" sz="1800" b="0" i="0" u="none" strike="noStrike" kern="1200" cap="none" spc="0" normalizeH="0" baseline="0" noProof="0" dirty="0" err="1">
+                <a:ln>
+                  <a:noFill/>
+                </a:ln>
+                <a:solidFill>
+                  <a:srgbClr val="8B0000"/>
+                </a:solidFill>
+                <a:effectLst/>
+                <a:uLnTx/>
+                <a:uFillTx/>
+                <a:latin typeface="Lucida Console" panose="020B0609040504020204" pitchFamily="49" charset="0"/>
+                <a:ea typeface="+mn-ea"/>
+                <a:cs typeface="+mn-cs"/>
+              </a:rPr>
+              <a:t>ContainerInherit</a:t>
+            </a:r>
+            <a:r>
+              <a:rPr kumimoji="0" lang="en-GB" sz="1800" b="0" i="0" u="none" strike="noStrike" kern="1200" cap="none" spc="0" normalizeH="0" baseline="0" noProof="0" dirty="0">
+                <a:ln>
+                  <a:noFill/>
+                </a:ln>
+                <a:solidFill>
+                  <a:srgbClr val="8B0000"/>
+                </a:solidFill>
+                <a:effectLst/>
+                <a:uLnTx/>
+                <a:uFillTx/>
+                <a:latin typeface="Lucida Console" panose="020B0609040504020204" pitchFamily="49" charset="0"/>
+                <a:ea typeface="+mn-ea"/>
+                <a:cs typeface="+mn-cs"/>
+              </a:rPr>
+              <a:t>"</a:t>
+            </a:r>
+            <a:r>
+              <a:rPr kumimoji="0" lang="en-US" sz="1800" b="0" i="0" u="none" strike="noStrike" kern="1200" cap="none" spc="0" normalizeH="0" baseline="0" noProof="0" dirty="0">
+                <a:ln>
+                  <a:noFill/>
+                </a:ln>
+                <a:solidFill>
+                  <a:prstClr val="black"/>
+                </a:solidFill>
+                <a:effectLst/>
+                <a:uLnTx/>
+                <a:uFillTx/>
+                <a:latin typeface="Lucida Console" panose="020B0609040504020204" pitchFamily="49" charset="0"/>
+                <a:ea typeface="+mn-ea"/>
+                <a:cs typeface="+mn-cs"/>
+              </a:rPr>
+              <a:t>, </a:t>
+            </a:r>
+            <a:r>
+              <a:rPr kumimoji="0" lang="en-GB" sz="1800" b="0" i="0" u="none" strike="noStrike" kern="1200" cap="none" spc="0" normalizeH="0" baseline="0" noProof="0" dirty="0">
+                <a:ln>
+                  <a:noFill/>
+                </a:ln>
+                <a:solidFill>
+                  <a:srgbClr val="8B0000"/>
+                </a:solidFill>
+                <a:effectLst/>
+                <a:uLnTx/>
+                <a:uFillTx/>
+                <a:latin typeface="Lucida Console" panose="020B0609040504020204" pitchFamily="49" charset="0"/>
+                <a:ea typeface="+mn-ea"/>
+                <a:cs typeface="+mn-cs"/>
+              </a:rPr>
+              <a:t>"</a:t>
+            </a:r>
+            <a:r>
+              <a:rPr kumimoji="0" lang="en-GB" sz="1800" b="0" i="0" u="none" strike="noStrike" kern="1200" cap="none" spc="0" normalizeH="0" baseline="0" noProof="0" dirty="0" err="1">
+                <a:ln>
+                  <a:noFill/>
+                </a:ln>
+                <a:solidFill>
+                  <a:srgbClr val="8B0000"/>
+                </a:solidFill>
+                <a:effectLst/>
+                <a:uLnTx/>
+                <a:uFillTx/>
+                <a:latin typeface="Lucida Console" panose="020B0609040504020204" pitchFamily="49" charset="0"/>
+                <a:ea typeface="+mn-ea"/>
+                <a:cs typeface="+mn-cs"/>
+              </a:rPr>
+              <a:t>ObjectInherit</a:t>
+            </a:r>
+            <a:r>
+              <a:rPr kumimoji="0" lang="en-GB" sz="1800" b="0" i="0" u="none" strike="noStrike" kern="1200" cap="none" spc="0" normalizeH="0" baseline="0" noProof="0" dirty="0">
+                <a:ln>
+                  <a:noFill/>
+                </a:ln>
+                <a:solidFill>
+                  <a:srgbClr val="8B0000"/>
+                </a:solidFill>
+                <a:effectLst/>
+                <a:uLnTx/>
+                <a:uFillTx/>
+                <a:latin typeface="Lucida Console" panose="020B0609040504020204" pitchFamily="49" charset="0"/>
+                <a:ea typeface="+mn-ea"/>
+                <a:cs typeface="+mn-cs"/>
+              </a:rPr>
+              <a:t>, </a:t>
+            </a:r>
+            <a:r>
+              <a:rPr kumimoji="0" lang="en-GB" sz="1800" b="0" i="0" u="none" strike="noStrike" kern="1200" cap="none" spc="0" normalizeH="0" baseline="0" noProof="0" dirty="0" err="1">
+                <a:ln>
+                  <a:noFill/>
+                </a:ln>
+                <a:solidFill>
+                  <a:srgbClr val="8B0000"/>
+                </a:solidFill>
+                <a:effectLst/>
+                <a:uLnTx/>
+                <a:uFillTx/>
+                <a:latin typeface="Lucida Console" panose="020B0609040504020204" pitchFamily="49" charset="0"/>
+                <a:ea typeface="+mn-ea"/>
+                <a:cs typeface="+mn-cs"/>
+              </a:rPr>
+              <a:t>InheritOnly</a:t>
+            </a:r>
+            <a:r>
+              <a:rPr kumimoji="0" lang="en-GB" sz="1800" b="0" i="0" u="none" strike="noStrike" kern="1200" cap="none" spc="0" normalizeH="0" baseline="0" noProof="0" dirty="0">
+                <a:ln>
+                  <a:noFill/>
+                </a:ln>
+                <a:solidFill>
+                  <a:srgbClr val="8B0000"/>
+                </a:solidFill>
+                <a:effectLst/>
+                <a:uLnTx/>
+                <a:uFillTx/>
+                <a:latin typeface="Lucida Console" panose="020B0609040504020204" pitchFamily="49" charset="0"/>
+                <a:ea typeface="+mn-ea"/>
+                <a:cs typeface="+mn-cs"/>
+              </a:rPr>
+              <a:t>"</a:t>
+            </a:r>
+            <a:r>
+              <a:rPr kumimoji="0" lang="en-US" sz="1800" b="0" i="0" u="none" strike="noStrike" kern="1200" cap="none" spc="0" normalizeH="0" baseline="0" noProof="0" dirty="0">
+                <a:ln>
+                  <a:noFill/>
+                </a:ln>
+                <a:solidFill>
+                  <a:prstClr val="black"/>
+                </a:solidFill>
+                <a:effectLst/>
+                <a:uLnTx/>
+                <a:uFillTx/>
+                <a:latin typeface="Lucida Console" panose="020B0609040504020204" pitchFamily="49" charset="0"/>
+                <a:ea typeface="+mn-ea"/>
+                <a:cs typeface="+mn-cs"/>
+              </a:rPr>
+              <a:t>, </a:t>
+            </a:r>
+            <a:r>
+              <a:rPr kumimoji="0" lang="en-GB" sz="1800" b="0" i="0" u="none" strike="noStrike" kern="1200" cap="none" spc="0" normalizeH="0" baseline="0" noProof="0" dirty="0">
+                <a:ln>
+                  <a:noFill/>
+                </a:ln>
+                <a:solidFill>
+                  <a:srgbClr val="8B0000"/>
+                </a:solidFill>
+                <a:effectLst/>
+                <a:uLnTx/>
+                <a:uFillTx/>
+                <a:latin typeface="Lucida Console" panose="020B0609040504020204" pitchFamily="49" charset="0"/>
+                <a:ea typeface="+mn-ea"/>
+                <a:cs typeface="+mn-cs"/>
+              </a:rPr>
+              <a:t>"Allow"</a:t>
+            </a:r>
+            <a:r>
+              <a:rPr kumimoji="0" lang="en-US" sz="1800" b="0" i="0" u="none" strike="noStrike" kern="1200" cap="none" spc="0" normalizeH="0" baseline="0" noProof="0" dirty="0">
+                <a:ln>
+                  <a:noFill/>
+                </a:ln>
+                <a:solidFill>
+                  <a:prstClr val="black"/>
+                </a:solidFill>
+                <a:effectLst/>
+                <a:uLnTx/>
+                <a:uFillTx/>
+                <a:latin typeface="Lucida Console" panose="020B0609040504020204" pitchFamily="49" charset="0"/>
+                <a:ea typeface="+mn-ea"/>
+                <a:cs typeface="+mn-cs"/>
+              </a:rPr>
+              <a:t>)</a:t>
+            </a:r>
+            <a:br>
+              <a:rPr kumimoji="0" lang="en-US" sz="1800" b="0" i="0" u="none" strike="noStrike" kern="1200" cap="none" spc="0" normalizeH="0" baseline="0" noProof="0" dirty="0">
+                <a:ln>
+                  <a:noFill/>
+                </a:ln>
+                <a:solidFill>
+                  <a:prstClr val="black"/>
+                </a:solidFill>
+                <a:effectLst/>
+                <a:uLnTx/>
+                <a:uFillTx/>
+                <a:latin typeface="Lucida Console" panose="020B0609040504020204" pitchFamily="49" charset="0"/>
+                <a:ea typeface="+mn-ea"/>
+                <a:cs typeface="+mn-cs"/>
+              </a:rPr>
+            </a:br>
+            <a:endParaRPr kumimoji="0" lang="en-US" sz="1800" b="0" i="0" u="none" strike="noStrike" kern="1200" cap="none" spc="0" normalizeH="0" baseline="0" noProof="0" dirty="0">
+              <a:ln>
+                <a:noFill/>
+              </a:ln>
+              <a:solidFill>
+                <a:prstClr val="black"/>
+              </a:solidFill>
+              <a:effectLst/>
+              <a:uLnTx/>
+              <a:uFillTx/>
+              <a:latin typeface="Lucida Console" panose="020B0609040504020204" pitchFamily="49" charset="0"/>
+              <a:ea typeface="+mn-ea"/>
+              <a:cs typeface="+mn-cs"/>
+            </a:endParaRPr>
+          </a:p>
+          <a:p>
+            <a:pPr defTabSz="457200">
+              <a:lnSpc>
+                <a:spcPct val="100000"/>
+              </a:lnSpc>
+              <a:spcBef>
+                <a:spcPts val="0"/>
+              </a:spcBef>
+              <a:defRPr/>
+            </a:pPr>
+            <a:r>
+              <a:rPr lang="nl-NL" dirty="0"/>
+              <a:t>It is </a:t>
+            </a:r>
+            <a:r>
+              <a:rPr lang="nl-NL" dirty="0" err="1"/>
+              <a:t>still</a:t>
+            </a:r>
+            <a:r>
+              <a:rPr lang="nl-NL" dirty="0"/>
+              <a:t> a </a:t>
+            </a:r>
+            <a:r>
+              <a:rPr lang="nl-NL" dirty="0" err="1"/>
+              <a:t>good</a:t>
+            </a:r>
+            <a:r>
+              <a:rPr lang="nl-NL" dirty="0"/>
+              <a:t> </a:t>
+            </a:r>
+            <a:r>
+              <a:rPr lang="nl-NL" dirty="0" err="1"/>
+              <a:t>idea</a:t>
+            </a:r>
+            <a:r>
+              <a:rPr lang="nl-NL" dirty="0"/>
+              <a:t> </a:t>
+            </a:r>
+            <a:r>
+              <a:rPr lang="nl-NL" dirty="0" err="1"/>
+              <a:t>to</a:t>
+            </a:r>
+            <a:r>
+              <a:rPr lang="nl-NL" dirty="0"/>
+              <a:t> </a:t>
+            </a:r>
+            <a:r>
+              <a:rPr lang="nl-NL" dirty="0" err="1"/>
+              <a:t>use</a:t>
+            </a:r>
+            <a:r>
+              <a:rPr lang="nl-NL" dirty="0"/>
+              <a:t> </a:t>
+            </a:r>
+            <a:r>
+              <a:rPr lang="nl-NL" dirty="0" err="1"/>
+              <a:t>references</a:t>
+            </a:r>
+            <a:r>
+              <a:rPr lang="nl-NL" dirty="0"/>
+              <a:t> </a:t>
+            </a:r>
+            <a:r>
+              <a:rPr lang="nl-NL" dirty="0" err="1"/>
+              <a:t>with</a:t>
+            </a:r>
+            <a:r>
+              <a:rPr lang="nl-NL" dirty="0"/>
+              <a:t> long or </a:t>
+            </a:r>
+            <a:r>
+              <a:rPr lang="nl-NL" dirty="0" err="1"/>
+              <a:t>difficult</a:t>
+            </a:r>
+            <a:r>
+              <a:rPr lang="nl-NL" dirty="0"/>
+              <a:t> </a:t>
+            </a:r>
+            <a:r>
+              <a:rPr lang="nl-NL" dirty="0" err="1"/>
+              <a:t>identities</a:t>
+            </a:r>
+            <a:endParaRPr lang="en-GB" dirty="0"/>
+          </a:p>
+        </p:txBody>
+      </p:sp>
+    </p:spTree>
+    <p:extLst>
+      <p:ext uri="{BB962C8B-B14F-4D97-AF65-F5344CB8AC3E}">
+        <p14:creationId xmlns:p14="http://schemas.microsoft.com/office/powerpoint/2010/main" val="1795081647"/>
+      </p:ext>
+    </p:extLst>
+  </p:cSld>
+  <p:clrMapOvr>
+    <a:masterClrMapping/>
+  </p:clrMapOvr>
+</p:sld>
+</file>
+
+<file path=ppt/slides/slide26.xml><?xml version="1.0" encoding="utf-8"?>
 <p:sld xmlns:a="http://schemas.openxmlformats.org/drawingml/2006/main" xmlns:r="http://schemas.openxmlformats.org/officeDocument/2006/relationships" xmlns:p="http://schemas.openxmlformats.org/presentationml/2006/main">
   <p:cSld>
     <p:spTree>
@@ -12244,7 +12959,7 @@
 </p:sld>
 </file>
 
-<file path=ppt/slides/slide26.xml><?xml version="1.0" encoding="utf-8"?>
+<file path=ppt/slides/slide27.xml><?xml version="1.0" encoding="utf-8"?>
 <p:sld xmlns:a="http://schemas.openxmlformats.org/drawingml/2006/main" xmlns:r="http://schemas.openxmlformats.org/officeDocument/2006/relationships" xmlns:p="http://schemas.openxmlformats.org/presentationml/2006/main">
   <p:cSld>
     <p:spTree>
@@ -13222,427 +13937,6 @@
 </p:sld>
 </file>
 
-<file path=ppt/slides/slide27.xml><?xml version="1.0" encoding="utf-8"?>
-<p:sld xmlns:a="http://schemas.openxmlformats.org/drawingml/2006/main" xmlns:r="http://schemas.openxmlformats.org/officeDocument/2006/relationships" xmlns:p="http://schemas.openxmlformats.org/presentationml/2006/main">
-  <p:cSld>
-    <p:spTree>
-      <p:nvGrpSpPr>
-        <p:cNvPr id="1" name=""/>
-        <p:cNvGrpSpPr/>
-        <p:nvPr/>
-      </p:nvGrpSpPr>
-      <p:grpSpPr>
-        <a:xfrm>
-          <a:off x="0" y="0"/>
-          <a:ext cx="0" cy="0"/>
-          <a:chOff x="0" y="0"/>
-          <a:chExt cx="0" cy="0"/>
-        </a:xfrm>
-      </p:grpSpPr>
-      <p:sp>
-        <p:nvSpPr>
-          <p:cNvPr id="2" name="Title 1"/>
-          <p:cNvSpPr>
-            <a:spLocks noGrp="1"/>
-          </p:cNvSpPr>
-          <p:nvPr>
-            <p:ph type="title"/>
-          </p:nvPr>
-        </p:nvSpPr>
-        <p:spPr/>
-        <p:txBody>
-          <a:bodyPr/>
-          <a:lstStyle/>
-          <a:p>
-            <a:r>
-              <a:rPr lang="en-US" dirty="0"/>
-              <a:t>Applying an ACE</a:t>
-            </a:r>
-            <a:endParaRPr lang="en-GB" dirty="0"/>
-          </a:p>
-        </p:txBody>
-      </p:sp>
-      <p:sp>
-        <p:nvSpPr>
-          <p:cNvPr id="3" name="Content Placeholder 2"/>
-          <p:cNvSpPr>
-            <a:spLocks noGrp="1"/>
-          </p:cNvSpPr>
-          <p:nvPr>
-            <p:ph idx="1"/>
-          </p:nvPr>
-        </p:nvSpPr>
-        <p:spPr/>
-        <p:txBody>
-          <a:bodyPr/>
-          <a:lstStyle/>
-          <a:p>
-            <a:r>
-              <a:rPr lang="en-US" dirty="0"/>
-              <a:t>We have the $</a:t>
-            </a:r>
-            <a:r>
-              <a:rPr lang="en-US" dirty="0" err="1"/>
-              <a:t>accessrule</a:t>
-            </a:r>
-            <a:r>
-              <a:rPr lang="en-US" dirty="0"/>
-              <a:t> (ACE) we made earlier</a:t>
-            </a:r>
-          </a:p>
-          <a:p>
-            <a:r>
-              <a:rPr lang="en-US" dirty="0"/>
-              <a:t>Then, read an ACL</a:t>
-            </a:r>
-          </a:p>
-          <a:p>
-            <a:r>
-              <a:rPr lang="en-US" dirty="0"/>
-              <a:t>Add the rule to that ACL</a:t>
-            </a:r>
-          </a:p>
-          <a:p>
-            <a:r>
-              <a:rPr lang="en-US" dirty="0"/>
-              <a:t>Save the ACL back to the folder</a:t>
-            </a:r>
-            <a:endParaRPr lang="en-GB" dirty="0"/>
-          </a:p>
-        </p:txBody>
-      </p:sp>
-      <p:sp>
-        <p:nvSpPr>
-          <p:cNvPr id="4" name="Rectangle 3"/>
-          <p:cNvSpPr/>
-          <p:nvPr/>
-        </p:nvSpPr>
-        <p:spPr>
-          <a:xfrm>
-            <a:off x="3048000" y="3990658"/>
-            <a:ext cx="6096000" cy="923330"/>
-          </a:xfrm>
-          <a:prstGeom prst="rect">
-            <a:avLst/>
-          </a:prstGeom>
-        </p:spPr>
-        <p:txBody>
-          <a:bodyPr>
-            <a:spAutoFit/>
-          </a:bodyPr>
-          <a:lstStyle/>
-          <a:p>
-            <a:r>
-              <a:rPr lang="en-GB" dirty="0">
-                <a:solidFill>
-                  <a:srgbClr val="FF4500"/>
-                </a:solidFill>
-                <a:latin typeface="Lucida Console" panose="020B0609040504020204" pitchFamily="49" charset="0"/>
-              </a:rPr>
-              <a:t>$</a:t>
-            </a:r>
-            <a:r>
-              <a:rPr lang="en-GB" dirty="0" err="1">
-                <a:solidFill>
-                  <a:srgbClr val="FF4500"/>
-                </a:solidFill>
-                <a:latin typeface="Lucida Console" panose="020B0609040504020204" pitchFamily="49" charset="0"/>
-              </a:rPr>
-              <a:t>acl</a:t>
-            </a:r>
-            <a:r>
-              <a:rPr lang="en-GB" dirty="0">
-                <a:solidFill>
-                  <a:prstClr val="black"/>
-                </a:solidFill>
-                <a:latin typeface="Lucida Console" panose="020B0609040504020204" pitchFamily="49" charset="0"/>
-              </a:rPr>
-              <a:t> </a:t>
-            </a:r>
-            <a:r>
-              <a:rPr lang="en-GB" dirty="0">
-                <a:solidFill>
-                  <a:srgbClr val="A9A9A9"/>
-                </a:solidFill>
-                <a:latin typeface="Lucida Console" panose="020B0609040504020204" pitchFamily="49" charset="0"/>
-              </a:rPr>
-              <a:t>=</a:t>
-            </a:r>
-            <a:r>
-              <a:rPr lang="en-GB" dirty="0">
-                <a:solidFill>
-                  <a:prstClr val="black"/>
-                </a:solidFill>
-                <a:latin typeface="Lucida Console" panose="020B0609040504020204" pitchFamily="49" charset="0"/>
-              </a:rPr>
-              <a:t> </a:t>
-            </a:r>
-            <a:r>
-              <a:rPr lang="en-GB" dirty="0">
-                <a:solidFill>
-                  <a:srgbClr val="0000FF"/>
-                </a:solidFill>
-                <a:latin typeface="Lucida Console" panose="020B0609040504020204" pitchFamily="49" charset="0"/>
-              </a:rPr>
-              <a:t>Get-</a:t>
-            </a:r>
-            <a:r>
-              <a:rPr lang="en-GB" dirty="0" err="1">
-                <a:solidFill>
-                  <a:srgbClr val="0000FF"/>
-                </a:solidFill>
-                <a:latin typeface="Lucida Console" panose="020B0609040504020204" pitchFamily="49" charset="0"/>
-              </a:rPr>
-              <a:t>Acl</a:t>
-            </a:r>
-            <a:r>
-              <a:rPr lang="en-GB" dirty="0">
-                <a:solidFill>
-                  <a:prstClr val="black"/>
-                </a:solidFill>
-                <a:latin typeface="Lucida Console" panose="020B0609040504020204" pitchFamily="49" charset="0"/>
-              </a:rPr>
-              <a:t> </a:t>
-            </a:r>
-            <a:r>
-              <a:rPr lang="en-GB" dirty="0">
-                <a:solidFill>
-                  <a:srgbClr val="FF4500"/>
-                </a:solidFill>
-                <a:latin typeface="Lucida Console" panose="020B0609040504020204" pitchFamily="49" charset="0"/>
-              </a:rPr>
-              <a:t>$</a:t>
-            </a:r>
-            <a:r>
-              <a:rPr lang="en-GB" dirty="0" err="1">
-                <a:solidFill>
-                  <a:srgbClr val="FF4500"/>
-                </a:solidFill>
-                <a:latin typeface="Lucida Console" panose="020B0609040504020204" pitchFamily="49" charset="0"/>
-              </a:rPr>
-              <a:t>dir</a:t>
-            </a:r>
-            <a:endParaRPr lang="en-GB" dirty="0">
-              <a:solidFill>
-                <a:prstClr val="black"/>
-              </a:solidFill>
-              <a:latin typeface="Lucida Console" panose="020B0609040504020204" pitchFamily="49" charset="0"/>
-            </a:endParaRPr>
-          </a:p>
-          <a:p>
-            <a:r>
-              <a:rPr lang="en-GB" dirty="0">
-                <a:solidFill>
-                  <a:srgbClr val="FF4500"/>
-                </a:solidFill>
-                <a:latin typeface="Lucida Console" panose="020B0609040504020204" pitchFamily="49" charset="0"/>
-              </a:rPr>
-              <a:t>$</a:t>
-            </a:r>
-            <a:r>
-              <a:rPr lang="en-GB" dirty="0" err="1">
-                <a:solidFill>
-                  <a:srgbClr val="FF4500"/>
-                </a:solidFill>
-                <a:latin typeface="Lucida Console" panose="020B0609040504020204" pitchFamily="49" charset="0"/>
-              </a:rPr>
-              <a:t>acl</a:t>
-            </a:r>
-            <a:r>
-              <a:rPr lang="en-GB" dirty="0" err="1">
-                <a:solidFill>
-                  <a:srgbClr val="A9A9A9"/>
-                </a:solidFill>
-                <a:latin typeface="Lucida Console" panose="020B0609040504020204" pitchFamily="49" charset="0"/>
-              </a:rPr>
-              <a:t>.</a:t>
-            </a:r>
-            <a:r>
-              <a:rPr lang="en-GB" dirty="0" err="1">
-                <a:solidFill>
-                  <a:prstClr val="black"/>
-                </a:solidFill>
-                <a:latin typeface="Lucida Console" panose="020B0609040504020204" pitchFamily="49" charset="0"/>
-              </a:rPr>
-              <a:t>AddAccessRule</a:t>
-            </a:r>
-            <a:r>
-              <a:rPr lang="en-GB" dirty="0">
-                <a:solidFill>
-                  <a:prstClr val="black"/>
-                </a:solidFill>
-                <a:latin typeface="Lucida Console" panose="020B0609040504020204" pitchFamily="49" charset="0"/>
-              </a:rPr>
-              <a:t>(</a:t>
-            </a:r>
-            <a:r>
-              <a:rPr lang="en-GB" dirty="0">
-                <a:solidFill>
-                  <a:srgbClr val="FF4500"/>
-                </a:solidFill>
-                <a:latin typeface="Lucida Console" panose="020B0609040504020204" pitchFamily="49" charset="0"/>
-              </a:rPr>
-              <a:t>$</a:t>
-            </a:r>
-            <a:r>
-              <a:rPr lang="en-GB" dirty="0" err="1">
-                <a:solidFill>
-                  <a:srgbClr val="FF4500"/>
-                </a:solidFill>
-                <a:latin typeface="Lucida Console" panose="020B0609040504020204" pitchFamily="49" charset="0"/>
-              </a:rPr>
-              <a:t>accessrule</a:t>
-            </a:r>
-            <a:r>
-              <a:rPr lang="en-GB" dirty="0">
-                <a:solidFill>
-                  <a:prstClr val="black"/>
-                </a:solidFill>
-                <a:latin typeface="Lucida Console" panose="020B0609040504020204" pitchFamily="49" charset="0"/>
-              </a:rPr>
-              <a:t>)</a:t>
-            </a:r>
-          </a:p>
-          <a:p>
-            <a:r>
-              <a:rPr lang="en-US" dirty="0">
-                <a:solidFill>
-                  <a:srgbClr val="0000FF"/>
-                </a:solidFill>
-                <a:latin typeface="Lucida Console" panose="020B0609040504020204" pitchFamily="49" charset="0"/>
-              </a:rPr>
-              <a:t>Set-</a:t>
-            </a:r>
-            <a:r>
-              <a:rPr lang="en-US" dirty="0" err="1">
-                <a:solidFill>
-                  <a:srgbClr val="0000FF"/>
-                </a:solidFill>
-                <a:latin typeface="Lucida Console" panose="020B0609040504020204" pitchFamily="49" charset="0"/>
-              </a:rPr>
-              <a:t>Acl</a:t>
-            </a:r>
-            <a:r>
-              <a:rPr lang="en-US" dirty="0">
-                <a:solidFill>
-                  <a:prstClr val="black"/>
-                </a:solidFill>
-                <a:latin typeface="Lucida Console" panose="020B0609040504020204" pitchFamily="49" charset="0"/>
-              </a:rPr>
-              <a:t> </a:t>
-            </a:r>
-            <a:r>
-              <a:rPr lang="en-US" dirty="0">
-                <a:solidFill>
-                  <a:srgbClr val="000080"/>
-                </a:solidFill>
-                <a:latin typeface="Lucida Console" panose="020B0609040504020204" pitchFamily="49" charset="0"/>
-              </a:rPr>
-              <a:t>-</a:t>
-            </a:r>
-            <a:r>
-              <a:rPr lang="en-US" dirty="0" err="1">
-                <a:solidFill>
-                  <a:srgbClr val="000080"/>
-                </a:solidFill>
-                <a:latin typeface="Lucida Console" panose="020B0609040504020204" pitchFamily="49" charset="0"/>
-              </a:rPr>
-              <a:t>AclObject</a:t>
-            </a:r>
-            <a:r>
-              <a:rPr lang="en-US" dirty="0">
-                <a:solidFill>
-                  <a:prstClr val="black"/>
-                </a:solidFill>
-                <a:latin typeface="Lucida Console" panose="020B0609040504020204" pitchFamily="49" charset="0"/>
-              </a:rPr>
-              <a:t> </a:t>
-            </a:r>
-            <a:r>
-              <a:rPr lang="en-US" dirty="0">
-                <a:solidFill>
-                  <a:srgbClr val="FF4500"/>
-                </a:solidFill>
-                <a:latin typeface="Lucida Console" panose="020B0609040504020204" pitchFamily="49" charset="0"/>
-              </a:rPr>
-              <a:t>$</a:t>
-            </a:r>
-            <a:r>
-              <a:rPr lang="en-US" dirty="0" err="1">
-                <a:solidFill>
-                  <a:srgbClr val="FF4500"/>
-                </a:solidFill>
-                <a:latin typeface="Lucida Console" panose="020B0609040504020204" pitchFamily="49" charset="0"/>
-              </a:rPr>
-              <a:t>acl</a:t>
-            </a:r>
-            <a:r>
-              <a:rPr lang="en-US" dirty="0">
-                <a:solidFill>
-                  <a:prstClr val="black"/>
-                </a:solidFill>
-                <a:latin typeface="Lucida Console" panose="020B0609040504020204" pitchFamily="49" charset="0"/>
-              </a:rPr>
-              <a:t> </a:t>
-            </a:r>
-            <a:r>
-              <a:rPr lang="en-US" dirty="0">
-                <a:solidFill>
-                  <a:srgbClr val="000080"/>
-                </a:solidFill>
-                <a:latin typeface="Lucida Console" panose="020B0609040504020204" pitchFamily="49" charset="0"/>
-              </a:rPr>
-              <a:t>-Path</a:t>
-            </a:r>
-            <a:r>
-              <a:rPr lang="en-US" dirty="0">
-                <a:solidFill>
-                  <a:prstClr val="black"/>
-                </a:solidFill>
-                <a:latin typeface="Lucida Console" panose="020B0609040504020204" pitchFamily="49" charset="0"/>
-              </a:rPr>
-              <a:t> </a:t>
-            </a:r>
-            <a:r>
-              <a:rPr lang="en-US" dirty="0">
-                <a:solidFill>
-                  <a:srgbClr val="FF4500"/>
-                </a:solidFill>
-                <a:latin typeface="Lucida Console" panose="020B0609040504020204" pitchFamily="49" charset="0"/>
-              </a:rPr>
-              <a:t>$</a:t>
-            </a:r>
-            <a:r>
-              <a:rPr lang="en-US" dirty="0" err="1">
-                <a:solidFill>
-                  <a:srgbClr val="FF4500"/>
-                </a:solidFill>
-                <a:latin typeface="Lucida Console" panose="020B0609040504020204" pitchFamily="49" charset="0"/>
-              </a:rPr>
-              <a:t>dir</a:t>
-            </a:r>
-            <a:endParaRPr lang="en-US" dirty="0">
-              <a:solidFill>
-                <a:prstClr val="black"/>
-              </a:solidFill>
-              <a:latin typeface="Lucida Console" panose="020B0609040504020204" pitchFamily="49" charset="0"/>
-            </a:endParaRPr>
-          </a:p>
-        </p:txBody>
-      </p:sp>
-    </p:spTree>
-    <p:extLst>
-      <p:ext uri="{BB962C8B-B14F-4D97-AF65-F5344CB8AC3E}">
-        <p14:creationId xmlns:p14="http://schemas.microsoft.com/office/powerpoint/2010/main" val="3236696566"/>
-      </p:ext>
-    </p:extLst>
-  </p:cSld>
-  <p:clrMapOvr>
-    <a:masterClrMapping/>
-  </p:clrMapOvr>
-</p:sld>
-</file>
-
 <file path=ppt/slides/slide28.xml><?xml version="1.0" encoding="utf-8"?>
 <p:sld xmlns:a="http://schemas.openxmlformats.org/drawingml/2006/main" xmlns:r="http://schemas.openxmlformats.org/officeDocument/2006/relationships" xmlns:p="http://schemas.openxmlformats.org/presentationml/2006/main">
   <p:cSld>
@@ -13677,7 +13971,7 @@
           <a:p>
             <a:r>
               <a:rPr lang="en-US" dirty="0"/>
-              <a:t>Transfer an ACL</a:t>
+              <a:t>Applying an ACE</a:t>
             </a:r>
             <a:endParaRPr lang="en-GB" dirty="0"/>
           </a:p>
@@ -13700,48 +13994,231 @@
           <a:p>
             <a:r>
               <a:rPr lang="en-US" dirty="0"/>
-              <a:t>Get the ACL from the source folder</a:t>
-            </a:r>
-          </a:p>
-          <a:p>
+              <a:t>We have the $</a:t>
+            </a:r>
+            <a:r>
+              <a:rPr lang="en-US" dirty="0" err="1"/>
+              <a:t>accessrule</a:t>
+            </a:r>
             <a:r>
               <a:rPr lang="en-US" dirty="0"/>
-              <a:t>Set the ACL to the destination folder</a:t>
-            </a:r>
-          </a:p>
-          <a:p>
-            <a:pPr marL="0" indent="0">
-              <a:buNone/>
-            </a:pPr>
+              <a:t> (ACE) we made earlier</a:t>
+            </a:r>
+          </a:p>
+          <a:p>
+            <a:r>
+              <a:rPr lang="en-US" dirty="0"/>
+              <a:t>Then, read an ACL</a:t>
+            </a:r>
+          </a:p>
+          <a:p>
+            <a:r>
+              <a:rPr lang="en-US" dirty="0"/>
+              <a:t>Add the rule to that ACL</a:t>
+            </a:r>
+          </a:p>
+          <a:p>
+            <a:r>
+              <a:rPr lang="en-US" dirty="0"/>
+              <a:t>Save the ACL back to the folder</a:t>
+            </a:r>
             <a:endParaRPr lang="en-GB" dirty="0"/>
           </a:p>
         </p:txBody>
       </p:sp>
       <p:sp>
         <p:nvSpPr>
-          <p:cNvPr id="5" name="Rectangle 4"/>
+          <p:cNvPr id="4" name="Rectangle 3"/>
           <p:cNvSpPr/>
           <p:nvPr/>
         </p:nvSpPr>
         <p:spPr>
           <a:xfrm>
-            <a:off x="2978800" y="3210044"/>
-            <a:ext cx="6234399" cy="369332"/>
+            <a:off x="3048000" y="3990658"/>
+            <a:ext cx="6096000" cy="923330"/>
           </a:xfrm>
           <a:prstGeom prst="rect">
             <a:avLst/>
           </a:prstGeom>
         </p:spPr>
         <p:txBody>
-          <a:bodyPr wrap="none">
+          <a:bodyPr>
             <a:spAutoFit/>
           </a:bodyPr>
           <a:lstStyle/>
           <a:p>
             <a:r>
-              <a:rPr lang="en-US" dirty="0"/>
-              <a:t> </a:t>
-            </a:r>
+              <a:rPr lang="en-GB" dirty="0">
+                <a:solidFill>
+                  <a:srgbClr val="FF4500"/>
+                </a:solidFill>
+                <a:latin typeface="Lucida Console" panose="020B0609040504020204" pitchFamily="49" charset="0"/>
+              </a:rPr>
+              <a:t>$</a:t>
+            </a:r>
+            <a:r>
+              <a:rPr lang="en-GB" dirty="0" err="1">
+                <a:solidFill>
+                  <a:srgbClr val="FF4500"/>
+                </a:solidFill>
+                <a:latin typeface="Lucida Console" panose="020B0609040504020204" pitchFamily="49" charset="0"/>
+              </a:rPr>
+              <a:t>acl</a:t>
+            </a:r>
+            <a:r>
+              <a:rPr lang="en-GB" dirty="0">
+                <a:solidFill>
+                  <a:prstClr val="black"/>
+                </a:solidFill>
+                <a:latin typeface="Lucida Console" panose="020B0609040504020204" pitchFamily="49" charset="0"/>
+              </a:rPr>
+              <a:t> </a:t>
+            </a:r>
+            <a:r>
+              <a:rPr lang="en-GB" dirty="0">
+                <a:solidFill>
+                  <a:srgbClr val="A9A9A9"/>
+                </a:solidFill>
+                <a:latin typeface="Lucida Console" panose="020B0609040504020204" pitchFamily="49" charset="0"/>
+              </a:rPr>
+              <a:t>=</a:t>
+            </a:r>
+            <a:r>
+              <a:rPr lang="en-GB" dirty="0">
+                <a:solidFill>
+                  <a:prstClr val="black"/>
+                </a:solidFill>
+                <a:latin typeface="Lucida Console" panose="020B0609040504020204" pitchFamily="49" charset="0"/>
+              </a:rPr>
+              <a:t> </a:t>
+            </a:r>
+            <a:r>
+              <a:rPr lang="en-GB" dirty="0">
+                <a:solidFill>
+                  <a:srgbClr val="0000FF"/>
+                </a:solidFill>
+                <a:latin typeface="Lucida Console" panose="020B0609040504020204" pitchFamily="49" charset="0"/>
+              </a:rPr>
+              <a:t>Get-</a:t>
+            </a:r>
+            <a:r>
+              <a:rPr lang="en-GB" dirty="0" err="1">
+                <a:solidFill>
+                  <a:srgbClr val="0000FF"/>
+                </a:solidFill>
+                <a:latin typeface="Lucida Console" panose="020B0609040504020204" pitchFamily="49" charset="0"/>
+              </a:rPr>
+              <a:t>Acl</a:t>
+            </a:r>
+            <a:r>
+              <a:rPr lang="en-GB" dirty="0">
+                <a:solidFill>
+                  <a:prstClr val="black"/>
+                </a:solidFill>
+                <a:latin typeface="Lucida Console" panose="020B0609040504020204" pitchFamily="49" charset="0"/>
+              </a:rPr>
+              <a:t> </a:t>
+            </a:r>
+            <a:r>
+              <a:rPr lang="en-GB" dirty="0">
+                <a:solidFill>
+                  <a:srgbClr val="FF4500"/>
+                </a:solidFill>
+                <a:latin typeface="Lucida Console" panose="020B0609040504020204" pitchFamily="49" charset="0"/>
+              </a:rPr>
+              <a:t>$</a:t>
+            </a:r>
+            <a:r>
+              <a:rPr lang="en-GB" dirty="0" err="1">
+                <a:solidFill>
+                  <a:srgbClr val="FF4500"/>
+                </a:solidFill>
+                <a:latin typeface="Lucida Console" panose="020B0609040504020204" pitchFamily="49" charset="0"/>
+              </a:rPr>
+              <a:t>dir</a:t>
+            </a:r>
+            <a:endParaRPr lang="en-GB" dirty="0">
+              <a:solidFill>
+                <a:prstClr val="black"/>
+              </a:solidFill>
+              <a:latin typeface="Lucida Console" panose="020B0609040504020204" pitchFamily="49" charset="0"/>
+            </a:endParaRPr>
+          </a:p>
+          <a:p>
+            <a:r>
+              <a:rPr lang="en-GB" dirty="0">
+                <a:solidFill>
+                  <a:srgbClr val="FF4500"/>
+                </a:solidFill>
+                <a:latin typeface="Lucida Console" panose="020B0609040504020204" pitchFamily="49" charset="0"/>
+              </a:rPr>
+              <a:t>$</a:t>
+            </a:r>
+            <a:r>
+              <a:rPr lang="en-GB" dirty="0" err="1">
+                <a:solidFill>
+                  <a:srgbClr val="FF4500"/>
+                </a:solidFill>
+                <a:latin typeface="Lucida Console" panose="020B0609040504020204" pitchFamily="49" charset="0"/>
+              </a:rPr>
+              <a:t>acl</a:t>
+            </a:r>
+            <a:r>
+              <a:rPr lang="en-GB" dirty="0" err="1">
+                <a:solidFill>
+                  <a:srgbClr val="A9A9A9"/>
+                </a:solidFill>
+                <a:latin typeface="Lucida Console" panose="020B0609040504020204" pitchFamily="49" charset="0"/>
+              </a:rPr>
+              <a:t>.</a:t>
+            </a:r>
+            <a:r>
+              <a:rPr lang="en-GB" dirty="0" err="1">
+                <a:solidFill>
+                  <a:prstClr val="black"/>
+                </a:solidFill>
+                <a:latin typeface="Lucida Console" panose="020B0609040504020204" pitchFamily="49" charset="0"/>
+              </a:rPr>
+              <a:t>AddAccessRule</a:t>
+            </a:r>
+            <a:r>
+              <a:rPr lang="en-GB" dirty="0">
+                <a:solidFill>
+                  <a:prstClr val="black"/>
+                </a:solidFill>
+                <a:latin typeface="Lucida Console" panose="020B0609040504020204" pitchFamily="49" charset="0"/>
+              </a:rPr>
+              <a:t>(</a:t>
+            </a:r>
+            <a:r>
+              <a:rPr lang="en-GB" dirty="0">
+                <a:solidFill>
+                  <a:srgbClr val="FF4500"/>
+                </a:solidFill>
+                <a:latin typeface="Lucida Console" panose="020B0609040504020204" pitchFamily="49" charset="0"/>
+              </a:rPr>
+              <a:t>$</a:t>
+            </a:r>
+            <a:r>
+              <a:rPr lang="en-GB" dirty="0" err="1">
+                <a:solidFill>
+                  <a:srgbClr val="FF4500"/>
+                </a:solidFill>
+                <a:latin typeface="Lucida Console" panose="020B0609040504020204" pitchFamily="49" charset="0"/>
+              </a:rPr>
+              <a:t>accessrule</a:t>
+            </a:r>
+            <a:r>
+              <a:rPr lang="en-GB" dirty="0">
+                <a:solidFill>
+                  <a:prstClr val="black"/>
+                </a:solidFill>
+                <a:latin typeface="Lucida Console" panose="020B0609040504020204" pitchFamily="49" charset="0"/>
+              </a:rPr>
+              <a:t>)</a:t>
+            </a:r>
+          </a:p>
+          <a:p>
             <a:r>
               <a:rPr lang="en-US" dirty="0">
                 <a:solidFill>
@@ -13749,7 +14226,7 @@
                 </a:solidFill>
                 <a:latin typeface="Lucida Console" panose="020B0609040504020204" pitchFamily="49" charset="0"/>
               </a:rPr>
-              <a:t>Get-</a:t>
+              <a:t>Set-</a:t>
             </a:r>
             <a:r>
               <a:rPr lang="en-US" dirty="0" err="1">
@@ -13772,11 +14249,20 @@
             <a:r>
               <a:rPr lang="en-US" dirty="0">
                 <a:solidFill>
-                  <a:srgbClr val="8A2BE2"/>
-                </a:solidFill>
-                <a:latin typeface="Lucida Console" panose="020B0609040504020204" pitchFamily="49" charset="0"/>
-              </a:rPr>
-              <a:t>C:\Source</a:t>
+                  <a:srgbClr val="000080"/>
+                </a:solidFill>
+                <a:latin typeface="Lucida Console" panose="020B0609040504020204" pitchFamily="49" charset="0"/>
+              </a:rPr>
+              <a:t>-</a:t>
+            </a:r>
+            <a:r>
+              <a:rPr lang="en-US" dirty="0" err="1">
+                <a:solidFill>
+                  <a:srgbClr val="000080"/>
+                </a:solidFill>
+                <a:latin typeface="Lucida Console" panose="020B0609040504020204" pitchFamily="49" charset="0"/>
+              </a:rPr>
+              <a:t>AclObject</a:t>
             </a:r>
             <a:r>
               <a:rPr lang="en-US" dirty="0">
@@ -13790,11 +14276,20 @@
             <a:r>
               <a:rPr lang="en-US" dirty="0">
                 <a:solidFill>
-                  <a:srgbClr val="A9A9A9"/>
-                </a:solidFill>
-                <a:latin typeface="Lucida Console" panose="020B0609040504020204" pitchFamily="49" charset="0"/>
-              </a:rPr>
-              <a:t>|</a:t>
+                  <a:srgbClr val="FF4500"/>
+                </a:solidFill>
+                <a:latin typeface="Lucida Console" panose="020B0609040504020204" pitchFamily="49" charset="0"/>
+              </a:rPr>
+              <a:t>$</a:t>
+            </a:r>
+            <a:r>
+              <a:rPr lang="en-US" dirty="0" err="1">
+                <a:solidFill>
+                  <a:srgbClr val="FF4500"/>
+                </a:solidFill>
+                <a:latin typeface="Lucida Console" panose="020B0609040504020204" pitchFamily="49" charset="0"/>
+              </a:rPr>
+              <a:t>acl</a:t>
             </a:r>
             <a:r>
               <a:rPr lang="en-US" dirty="0">
@@ -13808,46 +14303,52 @@
             <a:r>
               <a:rPr lang="en-US" dirty="0">
                 <a:solidFill>
-                  <a:srgbClr val="0000FF"/>
-                </a:solidFill>
-                <a:latin typeface="Lucida Console" panose="020B0609040504020204" pitchFamily="49" charset="0"/>
-              </a:rPr>
-              <a:t>Set-</a:t>
+                  <a:srgbClr val="000080"/>
+                </a:solidFill>
+                <a:latin typeface="Lucida Console" panose="020B0609040504020204" pitchFamily="49" charset="0"/>
+              </a:rPr>
+              <a:t>-Path</a:t>
+            </a:r>
+            <a:r>
+              <a:rPr lang="en-US" dirty="0">
+                <a:solidFill>
+                  <a:prstClr val="black"/>
+                </a:solidFill>
+                <a:latin typeface="Lucida Console" panose="020B0609040504020204" pitchFamily="49" charset="0"/>
+              </a:rPr>
+              <a:t> </a:t>
+            </a:r>
+            <a:r>
+              <a:rPr lang="en-US" dirty="0">
+                <a:solidFill>
+                  <a:srgbClr val="FF4500"/>
+                </a:solidFill>
+                <a:latin typeface="Lucida Console" panose="020B0609040504020204" pitchFamily="49" charset="0"/>
+              </a:rPr>
+              <a:t>$</a:t>
             </a:r>
             <a:r>
               <a:rPr lang="en-US" dirty="0" err="1">
                 <a:solidFill>
-                  <a:srgbClr val="0000FF"/>
-                </a:solidFill>
-                <a:latin typeface="Lucida Console" panose="020B0609040504020204" pitchFamily="49" charset="0"/>
-              </a:rPr>
-              <a:t>Acl</a:t>
-            </a:r>
-            <a:r>
-              <a:rPr lang="en-US" dirty="0">
-                <a:solidFill>
-                  <a:prstClr val="black"/>
-                </a:solidFill>
-                <a:latin typeface="Lucida Console" panose="020B0609040504020204" pitchFamily="49" charset="0"/>
-              </a:rPr>
-              <a:t> </a:t>
-            </a:r>
-            <a:r>
-              <a:rPr lang="en-US" dirty="0">
-                <a:solidFill>
-                  <a:srgbClr val="8A2BE2"/>
-                </a:solidFill>
-                <a:latin typeface="Lucida Console" panose="020B0609040504020204" pitchFamily="49" charset="0"/>
-              </a:rPr>
-              <a:t>c:\Destination </a:t>
-            </a:r>
+                  <a:srgbClr val="FF4500"/>
+                </a:solidFill>
+                <a:latin typeface="Lucida Console" panose="020B0609040504020204" pitchFamily="49" charset="0"/>
+              </a:rPr>
+              <a:t>dir</a:t>
+            </a:r>
+            <a:endParaRPr lang="en-US" dirty="0">
+              <a:solidFill>
+                <a:prstClr val="black"/>
+              </a:solidFill>
+              <a:latin typeface="Lucida Console" panose="020B0609040504020204" pitchFamily="49" charset="0"/>
+            </a:endParaRPr>
           </a:p>
         </p:txBody>
       </p:sp>
     </p:spTree>
     <p:extLst>
       <p:ext uri="{BB962C8B-B14F-4D97-AF65-F5344CB8AC3E}">
-        <p14:creationId xmlns:p14="http://schemas.microsoft.com/office/powerpoint/2010/main" val="1987609604"/>
+        <p14:creationId xmlns:p14="http://schemas.microsoft.com/office/powerpoint/2010/main" val="3236696566"/>
       </p:ext>
     </p:extLst>
   </p:cSld>
@@ -13891,7 +14392,7 @@
           <a:p>
             <a:r>
               <a:rPr lang="en-US" dirty="0"/>
-              <a:t>Remove an ACE from an ACL</a:t>
+              <a:t>Transfer an ACL</a:t>
             </a:r>
             <a:endParaRPr lang="en-GB" dirty="0"/>
           </a:p>
@@ -13909,91 +14410,24 @@
         </p:nvSpPr>
         <p:spPr/>
         <p:txBody>
-          <a:bodyPr>
-            <a:normAutofit lnSpcReduction="10000"/>
-          </a:bodyPr>
+          <a:bodyPr/>
           <a:lstStyle/>
           <a:p>
             <a:r>
               <a:rPr lang="en-US" dirty="0"/>
-              <a:t>All ACEs for one account</a:t>
-            </a:r>
-          </a:p>
-          <a:p>
-            <a:pPr lvl="1"/>
+              <a:t>Get the ACL from the source folder</a:t>
+            </a:r>
+          </a:p>
+          <a:p>
             <a:r>
               <a:rPr lang="en-US" dirty="0"/>
-              <a:t>Get the ACL</a:t>
-            </a:r>
-          </a:p>
-          <a:p>
-            <a:pPr lvl="1"/>
-            <a:r>
-              <a:rPr lang="en-US" dirty="0" err="1"/>
-              <a:t>PurgeAccessRules</a:t>
-            </a:r>
-            <a:r>
-              <a:rPr lang="en-US" dirty="0"/>
-              <a:t>($account)</a:t>
-            </a:r>
-          </a:p>
-          <a:p>
-            <a:pPr lvl="1"/>
-            <a:r>
-              <a:rPr lang="en-US" dirty="0"/>
-              <a:t>Set the ACL</a:t>
-            </a:r>
-          </a:p>
-          <a:p>
-            <a:r>
-              <a:rPr lang="en-US" dirty="0"/>
-              <a:t>Remove some ACEs</a:t>
-            </a:r>
-          </a:p>
-          <a:p>
-            <a:pPr lvl="1"/>
-            <a:r>
-              <a:rPr lang="en-US" dirty="0"/>
-              <a:t>Get the ACL</a:t>
-            </a:r>
-          </a:p>
-          <a:p>
-            <a:pPr lvl="1"/>
-            <a:r>
-              <a:rPr lang="en-US" dirty="0" err="1"/>
-              <a:t>RemoveAccessRule</a:t>
-            </a:r>
-            <a:r>
-              <a:rPr lang="en-US" dirty="0"/>
-              <a:t>($ACE)</a:t>
-            </a:r>
-          </a:p>
-          <a:p>
-            <a:pPr lvl="1"/>
-            <a:r>
-              <a:rPr lang="en-US" dirty="0"/>
-              <a:t>Set the ACL</a:t>
-            </a:r>
-          </a:p>
-          <a:p>
-            <a:r>
-              <a:rPr lang="en-US" dirty="0"/>
-              <a:t>What $ACE?</a:t>
-            </a:r>
-          </a:p>
-          <a:p>
-            <a:pPr lvl="1"/>
-            <a:r>
-              <a:rPr lang="en-US" dirty="0"/>
-              <a:t>Go through the list</a:t>
-            </a:r>
-          </a:p>
-          <a:p>
-            <a:pPr lvl="1"/>
-            <a:r>
-              <a:rPr lang="en-US" dirty="0"/>
-              <a:t>Recreate exactly</a:t>
-            </a:r>
+              <a:t>Set the ACL to the destination folder</a:t>
+            </a:r>
+          </a:p>
+          <a:p>
+            <a:pPr marL="0" indent="0">
+              <a:buNone/>
+            </a:pPr>
             <a:endParaRPr lang="en-GB" dirty="0"/>
           </a:p>
         </p:txBody>
@@ -14006,75 +14440,97 @@
         </p:nvSpPr>
         <p:spPr>
           <a:xfrm>
-            <a:off x="5287108" y="1825625"/>
-            <a:ext cx="7127631" cy="1477328"/>
+            <a:off x="2978800" y="3210044"/>
+            <a:ext cx="6234399" cy="369332"/>
           </a:xfrm>
           <a:prstGeom prst="rect">
             <a:avLst/>
           </a:prstGeom>
         </p:spPr>
         <p:txBody>
-          <a:bodyPr wrap="square">
+          <a:bodyPr wrap="none">
             <a:spAutoFit/>
           </a:bodyPr>
           <a:lstStyle/>
           <a:p>
             <a:r>
-              <a:rPr lang="en-GB" dirty="0">
-                <a:solidFill>
-                  <a:srgbClr val="FF4500"/>
-                </a:solidFill>
-                <a:latin typeface="Lucida Console" panose="020B0609040504020204" pitchFamily="49" charset="0"/>
-              </a:rPr>
-              <a:t>$</a:t>
-            </a:r>
-            <a:r>
-              <a:rPr lang="en-GB" dirty="0" err="1">
-                <a:solidFill>
-                  <a:srgbClr val="FF4500"/>
-                </a:solidFill>
-                <a:latin typeface="Lucida Console" panose="020B0609040504020204" pitchFamily="49" charset="0"/>
-              </a:rPr>
-              <a:t>acl</a:t>
-            </a:r>
-            <a:r>
-              <a:rPr lang="en-GB" dirty="0">
-                <a:solidFill>
-                  <a:prstClr val="black"/>
-                </a:solidFill>
-                <a:latin typeface="Lucida Console" panose="020B0609040504020204" pitchFamily="49" charset="0"/>
-              </a:rPr>
-              <a:t> </a:t>
-            </a:r>
-            <a:r>
-              <a:rPr lang="en-GB" dirty="0">
+              <a:rPr lang="en-US" dirty="0"/>
+              <a:t> </a:t>
+            </a:r>
+            <a:r>
+              <a:rPr lang="en-US" dirty="0">
+                <a:solidFill>
+                  <a:srgbClr val="0000FF"/>
+                </a:solidFill>
+                <a:latin typeface="Lucida Console" panose="020B0609040504020204" pitchFamily="49" charset="0"/>
+              </a:rPr>
+              <a:t>Get-</a:t>
+            </a:r>
+            <a:r>
+              <a:rPr lang="en-US" dirty="0" err="1">
+                <a:solidFill>
+                  <a:srgbClr val="0000FF"/>
+                </a:solidFill>
+                <a:latin typeface="Lucida Console" panose="020B0609040504020204" pitchFamily="49" charset="0"/>
+              </a:rPr>
+              <a:t>Acl</a:t>
+            </a:r>
+            <a:r>
+              <a:rPr lang="en-US" dirty="0">
+                <a:solidFill>
+                  <a:prstClr val="black"/>
+                </a:solidFill>
+                <a:latin typeface="Lucida Console" panose="020B0609040504020204" pitchFamily="49" charset="0"/>
+              </a:rPr>
+              <a:t> </a:t>
+            </a:r>
+            <a:r>
+              <a:rPr lang="en-US" dirty="0">
+                <a:solidFill>
+                  <a:srgbClr val="8A2BE2"/>
+                </a:solidFill>
+                <a:latin typeface="Lucida Console" panose="020B0609040504020204" pitchFamily="49" charset="0"/>
+              </a:rPr>
+              <a:t>C:\Source</a:t>
+            </a:r>
+            <a:r>
+              <a:rPr lang="en-US" dirty="0">
+                <a:solidFill>
+                  <a:prstClr val="black"/>
+                </a:solidFill>
+                <a:latin typeface="Lucida Console" panose="020B0609040504020204" pitchFamily="49" charset="0"/>
+              </a:rPr>
+              <a:t> </a:t>
+            </a:r>
+            <a:r>
+              <a:rPr lang="en-US" dirty="0">
                 <a:solidFill>
                   <a:srgbClr val="A9A9A9"/>
                 </a:solidFill>
                 <a:latin typeface="Lucida Console" panose="020B0609040504020204" pitchFamily="49" charset="0"/>
               </a:rPr>
-              <a:t>=</a:t>
-            </a:r>
-            <a:r>
-              <a:rPr lang="en-GB" dirty="0">
-                <a:solidFill>
-                  <a:prstClr val="black"/>
-                </a:solidFill>
-                <a:latin typeface="Lucida Console" panose="020B0609040504020204" pitchFamily="49" charset="0"/>
-              </a:rPr>
-              <a:t> </a:t>
-            </a:r>
-            <a:r>
-              <a:rPr lang="en-GB" dirty="0">
+              <a:t>|</a:t>
+            </a:r>
+            <a:r>
+              <a:rPr lang="en-US" dirty="0">
+                <a:solidFill>
+                  <a:prstClr val="black"/>
+                </a:solidFill>
+                <a:latin typeface="Lucida Console" panose="020B0609040504020204" pitchFamily="49" charset="0"/>
+              </a:rPr>
+              <a:t> </a:t>
+            </a:r>
+            <a:r>
+              <a:rPr lang="en-US" dirty="0">
                 <a:solidFill>
                   <a:srgbClr val="0000FF"/>
                 </a:solidFill>
                 <a:latin typeface="Lucida Console" panose="020B0609040504020204" pitchFamily="49" charset="0"/>
               </a:rPr>
-              <a:t>Get-</a:t>
-            </a:r>
-            <a:r>
-              <a:rPr lang="en-GB" dirty="0" err="1">
+              <a:t>Set-</a:t>
+            </a:r>
+            <a:r>
+              <a:rPr lang="en-US" dirty="0" err="1">
                 <a:solidFill>
                   <a:srgbClr val="0000FF"/>
                 </a:solidFill>
@@ -14083,330 +14539,22 @@
               <a:t>Acl</a:t>
             </a:r>
             <a:r>
-              <a:rPr lang="en-GB" dirty="0">
-                <a:solidFill>
-                  <a:prstClr val="black"/>
-                </a:solidFill>
-                <a:latin typeface="Lucida Console" panose="020B0609040504020204" pitchFamily="49" charset="0"/>
-              </a:rPr>
-              <a:t> </a:t>
-            </a:r>
-            <a:r>
-              <a:rPr lang="en-GB" dirty="0">
-                <a:solidFill>
-                  <a:srgbClr val="FF4500"/>
-                </a:solidFill>
-                <a:latin typeface="Lucida Console" panose="020B0609040504020204" pitchFamily="49" charset="0"/>
-              </a:rPr>
-              <a:t>$</a:t>
-            </a:r>
-            <a:r>
-              <a:rPr lang="en-GB" dirty="0" err="1">
-                <a:solidFill>
-                  <a:srgbClr val="FF4500"/>
-                </a:solidFill>
-                <a:latin typeface="Lucida Console" panose="020B0609040504020204" pitchFamily="49" charset="0"/>
-              </a:rPr>
-              <a:t>dir</a:t>
-            </a:r>
-            <a:endParaRPr lang="en-GB" dirty="0">
-              <a:solidFill>
-                <a:prstClr val="black"/>
-              </a:solidFill>
-              <a:latin typeface="Lucida Console" panose="020B0609040504020204" pitchFamily="49" charset="0"/>
-            </a:endParaRPr>
-          </a:p>
-          <a:p>
-            <a:r>
-              <a:rPr lang="en-GB" dirty="0">
-                <a:solidFill>
-                  <a:srgbClr val="FF4500"/>
-                </a:solidFill>
-                <a:latin typeface="Lucida Console" panose="020B0609040504020204" pitchFamily="49" charset="0"/>
-              </a:rPr>
-              <a:t>$account</a:t>
-            </a:r>
-            <a:r>
-              <a:rPr lang="en-GB" dirty="0">
-                <a:solidFill>
-                  <a:prstClr val="black"/>
-                </a:solidFill>
-                <a:latin typeface="Lucida Console" panose="020B0609040504020204" pitchFamily="49" charset="0"/>
-              </a:rPr>
-              <a:t> </a:t>
-            </a:r>
-            <a:r>
-              <a:rPr lang="en-GB" dirty="0">
-                <a:solidFill>
-                  <a:srgbClr val="A9A9A9"/>
-                </a:solidFill>
-                <a:latin typeface="Lucida Console" panose="020B0609040504020204" pitchFamily="49" charset="0"/>
-              </a:rPr>
-              <a:t>=</a:t>
-            </a:r>
-            <a:r>
-              <a:rPr lang="en-GB" dirty="0">
-                <a:solidFill>
-                  <a:prstClr val="black"/>
-                </a:solidFill>
-                <a:latin typeface="Lucida Console" panose="020B0609040504020204" pitchFamily="49" charset="0"/>
-              </a:rPr>
-              <a:t> </a:t>
-            </a:r>
-            <a:r>
-              <a:rPr lang="en-GB" dirty="0">
-                <a:solidFill>
-                  <a:srgbClr val="0000FF"/>
-                </a:solidFill>
-                <a:latin typeface="Lucida Console" panose="020B0609040504020204" pitchFamily="49" charset="0"/>
-              </a:rPr>
-              <a:t>New-Object</a:t>
-            </a:r>
-            <a:endParaRPr lang="en-GB" dirty="0">
-              <a:solidFill>
-                <a:prstClr val="black"/>
-              </a:solidFill>
-              <a:latin typeface="Lucida Console" panose="020B0609040504020204" pitchFamily="49" charset="0"/>
-            </a:endParaRPr>
-          </a:p>
-          <a:p>
-            <a:r>
-              <a:rPr lang="en-GB" dirty="0">
-                <a:solidFill>
-                  <a:prstClr val="black"/>
-                </a:solidFill>
-                <a:latin typeface="Lucida Console" panose="020B0609040504020204" pitchFamily="49" charset="0"/>
-              </a:rPr>
-              <a:t>		</a:t>
-            </a:r>
-            <a:r>
-              <a:rPr lang="en-GB" dirty="0" err="1">
+              <a:rPr lang="en-US" dirty="0">
+                <a:solidFill>
+                  <a:prstClr val="black"/>
+                </a:solidFill>
+                <a:latin typeface="Lucida Console" panose="020B0609040504020204" pitchFamily="49" charset="0"/>
+              </a:rPr>
+              <a:t> </a:t>
+            </a:r>
+            <a:r>
+              <a:rPr lang="en-US" dirty="0">
                 <a:solidFill>
                   <a:srgbClr val="8A2BE2"/>
                 </a:solidFill>
                 <a:latin typeface="Lucida Console" panose="020B0609040504020204" pitchFamily="49" charset="0"/>
               </a:rPr>
-              <a:t>system.Security.Principal.NTAccount</a:t>
-            </a:r>
-            <a:r>
-              <a:rPr lang="en-GB" dirty="0">
-                <a:solidFill>
-                  <a:prstClr val="black"/>
-                </a:solidFill>
-                <a:latin typeface="Lucida Console" panose="020B0609040504020204" pitchFamily="49" charset="0"/>
-              </a:rPr>
-              <a:t>(</a:t>
-            </a:r>
-            <a:r>
-              <a:rPr lang="en-GB" dirty="0">
-                <a:solidFill>
-                  <a:srgbClr val="FF4500"/>
-                </a:solidFill>
-                <a:latin typeface="Lucida Console" panose="020B0609040504020204" pitchFamily="49" charset="0"/>
-              </a:rPr>
-              <a:t>$user</a:t>
-            </a:r>
-            <a:r>
-              <a:rPr lang="en-GB" dirty="0">
-                <a:solidFill>
-                  <a:prstClr val="black"/>
-                </a:solidFill>
-                <a:latin typeface="Lucida Console" panose="020B0609040504020204" pitchFamily="49" charset="0"/>
-              </a:rPr>
-              <a:t>)</a:t>
-            </a:r>
-          </a:p>
-          <a:p>
-            <a:r>
-              <a:rPr lang="en-GB" dirty="0">
-                <a:solidFill>
-                  <a:srgbClr val="FF4500"/>
-                </a:solidFill>
-                <a:latin typeface="Lucida Console" panose="020B0609040504020204" pitchFamily="49" charset="0"/>
-              </a:rPr>
-              <a:t>$</a:t>
-            </a:r>
-            <a:r>
-              <a:rPr lang="en-GB" dirty="0" err="1">
-                <a:solidFill>
-                  <a:srgbClr val="FF4500"/>
-                </a:solidFill>
-                <a:latin typeface="Lucida Console" panose="020B0609040504020204" pitchFamily="49" charset="0"/>
-              </a:rPr>
-              <a:t>acl</a:t>
-            </a:r>
-            <a:r>
-              <a:rPr lang="en-GB" dirty="0" err="1">
-                <a:solidFill>
-                  <a:srgbClr val="A9A9A9"/>
-                </a:solidFill>
-                <a:latin typeface="Lucida Console" panose="020B0609040504020204" pitchFamily="49" charset="0"/>
-              </a:rPr>
-              <a:t>.</a:t>
-            </a:r>
-            <a:r>
-              <a:rPr lang="en-GB" dirty="0" err="1">
-                <a:solidFill>
-                  <a:prstClr val="black"/>
-                </a:solidFill>
-                <a:latin typeface="Lucida Console" panose="020B0609040504020204" pitchFamily="49" charset="0"/>
-              </a:rPr>
-              <a:t>PurgeAccessRules</a:t>
-            </a:r>
-            <a:r>
-              <a:rPr lang="en-GB" dirty="0">
-                <a:solidFill>
-                  <a:prstClr val="black"/>
-                </a:solidFill>
-                <a:latin typeface="Lucida Console" panose="020B0609040504020204" pitchFamily="49" charset="0"/>
-              </a:rPr>
-              <a:t>(</a:t>
-            </a:r>
-            <a:r>
-              <a:rPr lang="en-GB" dirty="0">
-                <a:solidFill>
-                  <a:srgbClr val="FF4500"/>
-                </a:solidFill>
-                <a:latin typeface="Lucida Console" panose="020B0609040504020204" pitchFamily="49" charset="0"/>
-              </a:rPr>
-              <a:t>$account</a:t>
-            </a:r>
-            <a:r>
-              <a:rPr lang="en-GB" dirty="0">
-                <a:solidFill>
-                  <a:prstClr val="black"/>
-                </a:solidFill>
-                <a:latin typeface="Lucida Console" panose="020B0609040504020204" pitchFamily="49" charset="0"/>
-              </a:rPr>
-              <a:t>)</a:t>
-            </a:r>
-          </a:p>
-          <a:p>
-            <a:r>
-              <a:rPr lang="en-US" dirty="0">
-                <a:solidFill>
-                  <a:srgbClr val="0000FF"/>
-                </a:solidFill>
-                <a:latin typeface="Lucida Console" panose="020B0609040504020204" pitchFamily="49" charset="0"/>
-              </a:rPr>
-              <a:t>Set-</a:t>
-            </a:r>
-            <a:r>
-              <a:rPr lang="en-US" dirty="0" err="1">
-                <a:solidFill>
-                  <a:srgbClr val="0000FF"/>
-                </a:solidFill>
-                <a:latin typeface="Lucida Console" panose="020B0609040504020204" pitchFamily="49" charset="0"/>
-              </a:rPr>
-              <a:t>Acl</a:t>
-            </a:r>
-            <a:r>
-              <a:rPr lang="en-US" dirty="0">
-                <a:solidFill>
-                  <a:prstClr val="black"/>
-                </a:solidFill>
-                <a:latin typeface="Lucida Console" panose="020B0609040504020204" pitchFamily="49" charset="0"/>
-              </a:rPr>
-              <a:t> </a:t>
-            </a:r>
-            <a:r>
-              <a:rPr lang="en-US" dirty="0">
-                <a:solidFill>
-                  <a:srgbClr val="000080"/>
-                </a:solidFill>
-                <a:latin typeface="Lucida Console" panose="020B0609040504020204" pitchFamily="49" charset="0"/>
-              </a:rPr>
-              <a:t>-</a:t>
-            </a:r>
-            <a:r>
-              <a:rPr lang="en-US" dirty="0" err="1">
-                <a:solidFill>
-                  <a:srgbClr val="000080"/>
-                </a:solidFill>
-                <a:latin typeface="Lucida Console" panose="020B0609040504020204" pitchFamily="49" charset="0"/>
-              </a:rPr>
-              <a:t>AclObject</a:t>
-            </a:r>
-            <a:r>
-              <a:rPr lang="en-US" dirty="0">
-                <a:solidFill>
-                  <a:prstClr val="black"/>
-                </a:solidFill>
-                <a:latin typeface="Lucida Console" panose="020B0609040504020204" pitchFamily="49" charset="0"/>
-              </a:rPr>
-              <a:t> </a:t>
-            </a:r>
-            <a:r>
-              <a:rPr lang="en-US" dirty="0">
-                <a:solidFill>
-                  <a:srgbClr val="FF4500"/>
-                </a:solidFill>
-                <a:latin typeface="Lucida Console" panose="020B0609040504020204" pitchFamily="49" charset="0"/>
-              </a:rPr>
-              <a:t>$</a:t>
-            </a:r>
-            <a:r>
-              <a:rPr lang="en-US" dirty="0" err="1">
-                <a:solidFill>
-                  <a:srgbClr val="FF4500"/>
-                </a:solidFill>
-                <a:latin typeface="Lucida Console" panose="020B0609040504020204" pitchFamily="49" charset="0"/>
-              </a:rPr>
-              <a:t>acl</a:t>
-            </a:r>
-            <a:r>
-              <a:rPr lang="en-US" dirty="0">
-                <a:solidFill>
-                  <a:prstClr val="black"/>
-                </a:solidFill>
-                <a:latin typeface="Lucida Console" panose="020B0609040504020204" pitchFamily="49" charset="0"/>
-              </a:rPr>
-              <a:t> </a:t>
-            </a:r>
-            <a:r>
-              <a:rPr lang="en-US" dirty="0">
-                <a:solidFill>
-                  <a:srgbClr val="000080"/>
-                </a:solidFill>
-                <a:latin typeface="Lucida Console" panose="020B0609040504020204" pitchFamily="49" charset="0"/>
-              </a:rPr>
-              <a:t>-Path</a:t>
-            </a:r>
-            <a:r>
-              <a:rPr lang="en-US" dirty="0">
-                <a:solidFill>
-                  <a:prstClr val="black"/>
-                </a:solidFill>
-                <a:latin typeface="Lucida Console" panose="020B0609040504020204" pitchFamily="49" charset="0"/>
-              </a:rPr>
-              <a:t> </a:t>
-            </a:r>
-            <a:r>
-              <a:rPr lang="en-US" dirty="0">
-                <a:solidFill>
-                  <a:srgbClr val="FF4500"/>
-                </a:solidFill>
-                <a:latin typeface="Lucida Console" panose="020B0609040504020204" pitchFamily="49" charset="0"/>
-              </a:rPr>
-              <a:t>$</a:t>
-            </a:r>
-            <a:r>
-              <a:rPr lang="en-US" dirty="0" err="1">
-                <a:solidFill>
-                  <a:srgbClr val="FF4500"/>
-                </a:solidFill>
-                <a:latin typeface="Lucida Console" panose="020B0609040504020204" pitchFamily="49" charset="0"/>
-              </a:rPr>
-              <a:t>dir</a:t>
-            </a:r>
-            <a:r>
-              <a:rPr lang="en-US" dirty="0">
-                <a:solidFill>
-                  <a:srgbClr val="FF4500"/>
-                </a:solidFill>
-                <a:latin typeface="Lucida Console" panose="020B0609040504020204" pitchFamily="49" charset="0"/>
-              </a:rPr>
-              <a:t> </a:t>
+              <a:t>c:\Destination </a:t>
             </a:r>
           </a:p>
         </p:txBody>
@@ -14414,7 +14562,7 @@
     </p:spTree>
     <p:extLst>
       <p:ext uri="{BB962C8B-B14F-4D97-AF65-F5344CB8AC3E}">
-        <p14:creationId xmlns:p14="http://schemas.microsoft.com/office/powerpoint/2010/main" val="2476617015"/>
+        <p14:creationId xmlns:p14="http://schemas.microsoft.com/office/powerpoint/2010/main" val="1987609604"/>
       </p:ext>
     </p:extLst>
   </p:cSld>
@@ -14515,6 +14663,573 @@
 </file>
 
 <file path=ppt/slides/slide30.xml><?xml version="1.0" encoding="utf-8"?>
+<p:sld xmlns:a="http://schemas.openxmlformats.org/drawingml/2006/main" xmlns:r="http://schemas.openxmlformats.org/officeDocument/2006/relationships" xmlns:p="http://schemas.openxmlformats.org/presentationml/2006/main">
+  <p:cSld>
+    <p:spTree>
+      <p:nvGrpSpPr>
+        <p:cNvPr id="1" name=""/>
+        <p:cNvGrpSpPr/>
+        <p:nvPr/>
+      </p:nvGrpSpPr>
+      <p:grpSpPr>
+        <a:xfrm>
+          <a:off x="0" y="0"/>
+          <a:ext cx="0" cy="0"/>
+          <a:chOff x="0" y="0"/>
+          <a:chExt cx="0" cy="0"/>
+        </a:xfrm>
+      </p:grpSpPr>
+      <p:sp>
+        <p:nvSpPr>
+          <p:cNvPr id="2" name="Title 1"/>
+          <p:cNvSpPr>
+            <a:spLocks noGrp="1"/>
+          </p:cNvSpPr>
+          <p:nvPr>
+            <p:ph type="title"/>
+          </p:nvPr>
+        </p:nvSpPr>
+        <p:spPr/>
+        <p:txBody>
+          <a:bodyPr/>
+          <a:lstStyle/>
+          <a:p>
+            <a:r>
+              <a:rPr lang="en-US" dirty="0"/>
+              <a:t>Remove an ACE from an ACL</a:t>
+            </a:r>
+            <a:endParaRPr lang="en-GB" dirty="0"/>
+          </a:p>
+        </p:txBody>
+      </p:sp>
+      <p:sp>
+        <p:nvSpPr>
+          <p:cNvPr id="3" name="Content Placeholder 2"/>
+          <p:cNvSpPr>
+            <a:spLocks noGrp="1"/>
+          </p:cNvSpPr>
+          <p:nvPr>
+            <p:ph idx="1"/>
+          </p:nvPr>
+        </p:nvSpPr>
+        <p:spPr/>
+        <p:txBody>
+          <a:bodyPr>
+            <a:normAutofit lnSpcReduction="10000"/>
+          </a:bodyPr>
+          <a:lstStyle/>
+          <a:p>
+            <a:r>
+              <a:rPr lang="en-US" dirty="0"/>
+              <a:t>All ACEs for one account</a:t>
+            </a:r>
+          </a:p>
+          <a:p>
+            <a:pPr lvl="1"/>
+            <a:r>
+              <a:rPr lang="en-US" dirty="0"/>
+              <a:t>Get the ACL</a:t>
+            </a:r>
+          </a:p>
+          <a:p>
+            <a:pPr lvl="1"/>
+            <a:r>
+              <a:rPr lang="en-US" dirty="0" err="1"/>
+              <a:t>PurgeAccessRules</a:t>
+            </a:r>
+            <a:r>
+              <a:rPr lang="en-US" dirty="0"/>
+              <a:t>($account)</a:t>
+            </a:r>
+          </a:p>
+          <a:p>
+            <a:pPr lvl="1"/>
+            <a:r>
+              <a:rPr lang="en-US" dirty="0"/>
+              <a:t>Set the ACL</a:t>
+            </a:r>
+          </a:p>
+          <a:p>
+            <a:r>
+              <a:rPr lang="en-US" dirty="0"/>
+              <a:t>Remove some ACEs</a:t>
+            </a:r>
+          </a:p>
+          <a:p>
+            <a:pPr lvl="1"/>
+            <a:r>
+              <a:rPr lang="en-US" dirty="0"/>
+              <a:t>Get the ACL</a:t>
+            </a:r>
+          </a:p>
+          <a:p>
+            <a:pPr lvl="1"/>
+            <a:r>
+              <a:rPr lang="en-US" dirty="0" err="1"/>
+              <a:t>RemoveAccessRule</a:t>
+            </a:r>
+            <a:r>
+              <a:rPr lang="en-US" dirty="0"/>
+              <a:t>($ACE)</a:t>
+            </a:r>
+          </a:p>
+          <a:p>
+            <a:pPr lvl="1"/>
+            <a:r>
+              <a:rPr lang="en-US" dirty="0"/>
+              <a:t>Set the ACL</a:t>
+            </a:r>
+          </a:p>
+          <a:p>
+            <a:r>
+              <a:rPr lang="en-US" dirty="0"/>
+              <a:t>What $ACE?</a:t>
+            </a:r>
+          </a:p>
+          <a:p>
+            <a:pPr lvl="1"/>
+            <a:r>
+              <a:rPr lang="en-US" dirty="0"/>
+              <a:t>Go through the list</a:t>
+            </a:r>
+          </a:p>
+          <a:p>
+            <a:pPr lvl="1"/>
+            <a:r>
+              <a:rPr lang="en-US" dirty="0"/>
+              <a:t>Recreate exactly</a:t>
+            </a:r>
+            <a:endParaRPr lang="en-GB" dirty="0"/>
+          </a:p>
+        </p:txBody>
+      </p:sp>
+      <p:sp>
+        <p:nvSpPr>
+          <p:cNvPr id="5" name="Rectangle 4"/>
+          <p:cNvSpPr/>
+          <p:nvPr/>
+        </p:nvSpPr>
+        <p:spPr>
+          <a:xfrm>
+            <a:off x="5287108" y="1825625"/>
+            <a:ext cx="7127631" cy="1477328"/>
+          </a:xfrm>
+          <a:prstGeom prst="rect">
+            <a:avLst/>
+          </a:prstGeom>
+        </p:spPr>
+        <p:txBody>
+          <a:bodyPr wrap="square">
+            <a:spAutoFit/>
+          </a:bodyPr>
+          <a:lstStyle/>
+          <a:p>
+            <a:r>
+              <a:rPr lang="en-GB" dirty="0">
+                <a:solidFill>
+                  <a:srgbClr val="FF4500"/>
+                </a:solidFill>
+                <a:latin typeface="Lucida Console" panose="020B0609040504020204" pitchFamily="49" charset="0"/>
+              </a:rPr>
+              <a:t>$</a:t>
+            </a:r>
+            <a:r>
+              <a:rPr lang="en-GB" dirty="0" err="1">
+                <a:solidFill>
+                  <a:srgbClr val="FF4500"/>
+                </a:solidFill>
+                <a:latin typeface="Lucida Console" panose="020B0609040504020204" pitchFamily="49" charset="0"/>
+              </a:rPr>
+              <a:t>acl</a:t>
+            </a:r>
+            <a:r>
+              <a:rPr lang="en-GB" dirty="0">
+                <a:solidFill>
+                  <a:prstClr val="black"/>
+                </a:solidFill>
+                <a:latin typeface="Lucida Console" panose="020B0609040504020204" pitchFamily="49" charset="0"/>
+              </a:rPr>
+              <a:t> </a:t>
+            </a:r>
+            <a:r>
+              <a:rPr lang="en-GB" dirty="0">
+                <a:solidFill>
+                  <a:srgbClr val="A9A9A9"/>
+                </a:solidFill>
+                <a:latin typeface="Lucida Console" panose="020B0609040504020204" pitchFamily="49" charset="0"/>
+              </a:rPr>
+              <a:t>=</a:t>
+            </a:r>
+            <a:r>
+              <a:rPr lang="en-GB" dirty="0">
+                <a:solidFill>
+                  <a:prstClr val="black"/>
+                </a:solidFill>
+                <a:latin typeface="Lucida Console" panose="020B0609040504020204" pitchFamily="49" charset="0"/>
+              </a:rPr>
+              <a:t> </a:t>
+            </a:r>
+            <a:r>
+              <a:rPr lang="en-GB" dirty="0">
+                <a:solidFill>
+                  <a:srgbClr val="0000FF"/>
+                </a:solidFill>
+                <a:latin typeface="Lucida Console" panose="020B0609040504020204" pitchFamily="49" charset="0"/>
+              </a:rPr>
+              <a:t>Get-</a:t>
+            </a:r>
+            <a:r>
+              <a:rPr lang="en-GB" dirty="0" err="1">
+                <a:solidFill>
+                  <a:srgbClr val="0000FF"/>
+                </a:solidFill>
+                <a:latin typeface="Lucida Console" panose="020B0609040504020204" pitchFamily="49" charset="0"/>
+              </a:rPr>
+              <a:t>Acl</a:t>
+            </a:r>
+            <a:r>
+              <a:rPr lang="en-GB" dirty="0">
+                <a:solidFill>
+                  <a:prstClr val="black"/>
+                </a:solidFill>
+                <a:latin typeface="Lucida Console" panose="020B0609040504020204" pitchFamily="49" charset="0"/>
+              </a:rPr>
+              <a:t> </a:t>
+            </a:r>
+            <a:r>
+              <a:rPr lang="en-GB" dirty="0">
+                <a:solidFill>
+                  <a:srgbClr val="FF4500"/>
+                </a:solidFill>
+                <a:latin typeface="Lucida Console" panose="020B0609040504020204" pitchFamily="49" charset="0"/>
+              </a:rPr>
+              <a:t>$</a:t>
+            </a:r>
+            <a:r>
+              <a:rPr lang="en-GB" dirty="0" err="1">
+                <a:solidFill>
+                  <a:srgbClr val="FF4500"/>
+                </a:solidFill>
+                <a:latin typeface="Lucida Console" panose="020B0609040504020204" pitchFamily="49" charset="0"/>
+              </a:rPr>
+              <a:t>dir</a:t>
+            </a:r>
+            <a:endParaRPr lang="en-GB" dirty="0">
+              <a:solidFill>
+                <a:prstClr val="black"/>
+              </a:solidFill>
+              <a:latin typeface="Lucida Console" panose="020B0609040504020204" pitchFamily="49" charset="0"/>
+            </a:endParaRPr>
+          </a:p>
+          <a:p>
+            <a:r>
+              <a:rPr lang="en-GB" dirty="0">
+                <a:solidFill>
+                  <a:srgbClr val="FF4500"/>
+                </a:solidFill>
+                <a:latin typeface="Lucida Console" panose="020B0609040504020204" pitchFamily="49" charset="0"/>
+              </a:rPr>
+              <a:t>$account</a:t>
+            </a:r>
+            <a:r>
+              <a:rPr lang="en-GB" dirty="0">
+                <a:solidFill>
+                  <a:prstClr val="black"/>
+                </a:solidFill>
+                <a:latin typeface="Lucida Console" panose="020B0609040504020204" pitchFamily="49" charset="0"/>
+              </a:rPr>
+              <a:t> </a:t>
+            </a:r>
+            <a:r>
+              <a:rPr lang="en-GB" dirty="0">
+                <a:solidFill>
+                  <a:srgbClr val="A9A9A9"/>
+                </a:solidFill>
+                <a:latin typeface="Lucida Console" panose="020B0609040504020204" pitchFamily="49" charset="0"/>
+              </a:rPr>
+              <a:t>=</a:t>
+            </a:r>
+            <a:r>
+              <a:rPr lang="en-GB" dirty="0">
+                <a:solidFill>
+                  <a:prstClr val="black"/>
+                </a:solidFill>
+                <a:latin typeface="Lucida Console" panose="020B0609040504020204" pitchFamily="49" charset="0"/>
+              </a:rPr>
+              <a:t> </a:t>
+            </a:r>
+            <a:r>
+              <a:rPr lang="en-GB" dirty="0">
+                <a:solidFill>
+                  <a:srgbClr val="0000FF"/>
+                </a:solidFill>
+                <a:latin typeface="Lucida Console" panose="020B0609040504020204" pitchFamily="49" charset="0"/>
+              </a:rPr>
+              <a:t>New-Object</a:t>
+            </a:r>
+            <a:endParaRPr lang="en-GB" dirty="0">
+              <a:solidFill>
+                <a:prstClr val="black"/>
+              </a:solidFill>
+              <a:latin typeface="Lucida Console" panose="020B0609040504020204" pitchFamily="49" charset="0"/>
+            </a:endParaRPr>
+          </a:p>
+          <a:p>
+            <a:r>
+              <a:rPr lang="en-GB" dirty="0">
+                <a:solidFill>
+                  <a:prstClr val="black"/>
+                </a:solidFill>
+                <a:latin typeface="Lucida Console" panose="020B0609040504020204" pitchFamily="49" charset="0"/>
+              </a:rPr>
+              <a:t>		</a:t>
+            </a:r>
+            <a:r>
+              <a:rPr lang="en-GB" dirty="0" err="1">
+                <a:solidFill>
+                  <a:srgbClr val="8A2BE2"/>
+                </a:solidFill>
+                <a:latin typeface="Lucida Console" panose="020B0609040504020204" pitchFamily="49" charset="0"/>
+              </a:rPr>
+              <a:t>system.Security.Principal.NTAccount</a:t>
+            </a:r>
+            <a:r>
+              <a:rPr lang="en-GB" dirty="0">
+                <a:solidFill>
+                  <a:prstClr val="black"/>
+                </a:solidFill>
+                <a:latin typeface="Lucida Console" panose="020B0609040504020204" pitchFamily="49" charset="0"/>
+              </a:rPr>
+              <a:t>(</a:t>
+            </a:r>
+            <a:r>
+              <a:rPr lang="en-GB" dirty="0">
+                <a:solidFill>
+                  <a:srgbClr val="FF4500"/>
+                </a:solidFill>
+                <a:latin typeface="Lucida Console" panose="020B0609040504020204" pitchFamily="49" charset="0"/>
+              </a:rPr>
+              <a:t>$user</a:t>
+            </a:r>
+            <a:r>
+              <a:rPr lang="en-GB" dirty="0">
+                <a:solidFill>
+                  <a:prstClr val="black"/>
+                </a:solidFill>
+                <a:latin typeface="Lucida Console" panose="020B0609040504020204" pitchFamily="49" charset="0"/>
+              </a:rPr>
+              <a:t>)</a:t>
+            </a:r>
+          </a:p>
+          <a:p>
+            <a:r>
+              <a:rPr lang="en-GB" dirty="0">
+                <a:solidFill>
+                  <a:srgbClr val="FF4500"/>
+                </a:solidFill>
+                <a:latin typeface="Lucida Console" panose="020B0609040504020204" pitchFamily="49" charset="0"/>
+              </a:rPr>
+              <a:t>$</a:t>
+            </a:r>
+            <a:r>
+              <a:rPr lang="en-GB" dirty="0" err="1">
+                <a:solidFill>
+                  <a:srgbClr val="FF4500"/>
+                </a:solidFill>
+                <a:latin typeface="Lucida Console" panose="020B0609040504020204" pitchFamily="49" charset="0"/>
+              </a:rPr>
+              <a:t>acl</a:t>
+            </a:r>
+            <a:r>
+              <a:rPr lang="en-GB" dirty="0" err="1">
+                <a:solidFill>
+                  <a:srgbClr val="A9A9A9"/>
+                </a:solidFill>
+                <a:latin typeface="Lucida Console" panose="020B0609040504020204" pitchFamily="49" charset="0"/>
+              </a:rPr>
+              <a:t>.</a:t>
+            </a:r>
+            <a:r>
+              <a:rPr lang="en-GB" dirty="0" err="1">
+                <a:solidFill>
+                  <a:prstClr val="black"/>
+                </a:solidFill>
+                <a:latin typeface="Lucida Console" panose="020B0609040504020204" pitchFamily="49" charset="0"/>
+              </a:rPr>
+              <a:t>PurgeAccessRules</a:t>
+            </a:r>
+            <a:r>
+              <a:rPr lang="en-GB" dirty="0">
+                <a:solidFill>
+                  <a:prstClr val="black"/>
+                </a:solidFill>
+                <a:latin typeface="Lucida Console" panose="020B0609040504020204" pitchFamily="49" charset="0"/>
+              </a:rPr>
+              <a:t>(</a:t>
+            </a:r>
+            <a:r>
+              <a:rPr lang="en-GB" dirty="0">
+                <a:solidFill>
+                  <a:srgbClr val="FF4500"/>
+                </a:solidFill>
+                <a:latin typeface="Lucida Console" panose="020B0609040504020204" pitchFamily="49" charset="0"/>
+              </a:rPr>
+              <a:t>$account</a:t>
+            </a:r>
+            <a:r>
+              <a:rPr lang="en-GB" dirty="0">
+                <a:solidFill>
+                  <a:prstClr val="black"/>
+                </a:solidFill>
+                <a:latin typeface="Lucida Console" panose="020B0609040504020204" pitchFamily="49" charset="0"/>
+              </a:rPr>
+              <a:t>)</a:t>
+            </a:r>
+          </a:p>
+          <a:p>
+            <a:r>
+              <a:rPr lang="en-US" dirty="0">
+                <a:solidFill>
+                  <a:srgbClr val="0000FF"/>
+                </a:solidFill>
+                <a:latin typeface="Lucida Console" panose="020B0609040504020204" pitchFamily="49" charset="0"/>
+              </a:rPr>
+              <a:t>Set-</a:t>
+            </a:r>
+            <a:r>
+              <a:rPr lang="en-US" dirty="0" err="1">
+                <a:solidFill>
+                  <a:srgbClr val="0000FF"/>
+                </a:solidFill>
+                <a:latin typeface="Lucida Console" panose="020B0609040504020204" pitchFamily="49" charset="0"/>
+              </a:rPr>
+              <a:t>Acl</a:t>
+            </a:r>
+            <a:r>
+              <a:rPr lang="en-US" dirty="0">
+                <a:solidFill>
+                  <a:prstClr val="black"/>
+                </a:solidFill>
+                <a:latin typeface="Lucida Console" panose="020B0609040504020204" pitchFamily="49" charset="0"/>
+              </a:rPr>
+              <a:t> </a:t>
+            </a:r>
+            <a:r>
+              <a:rPr lang="en-US" dirty="0">
+                <a:solidFill>
+                  <a:srgbClr val="000080"/>
+                </a:solidFill>
+                <a:latin typeface="Lucida Console" panose="020B0609040504020204" pitchFamily="49" charset="0"/>
+              </a:rPr>
+              <a:t>-</a:t>
+            </a:r>
+            <a:r>
+              <a:rPr lang="en-US" dirty="0" err="1">
+                <a:solidFill>
+                  <a:srgbClr val="000080"/>
+                </a:solidFill>
+                <a:latin typeface="Lucida Console" panose="020B0609040504020204" pitchFamily="49" charset="0"/>
+              </a:rPr>
+              <a:t>AclObject</a:t>
+            </a:r>
+            <a:r>
+              <a:rPr lang="en-US" dirty="0">
+                <a:solidFill>
+                  <a:prstClr val="black"/>
+                </a:solidFill>
+                <a:latin typeface="Lucida Console" panose="020B0609040504020204" pitchFamily="49" charset="0"/>
+              </a:rPr>
+              <a:t> </a:t>
+            </a:r>
+            <a:r>
+              <a:rPr lang="en-US" dirty="0">
+                <a:solidFill>
+                  <a:srgbClr val="FF4500"/>
+                </a:solidFill>
+                <a:latin typeface="Lucida Console" panose="020B0609040504020204" pitchFamily="49" charset="0"/>
+              </a:rPr>
+              <a:t>$</a:t>
+            </a:r>
+            <a:r>
+              <a:rPr lang="en-US" dirty="0" err="1">
+                <a:solidFill>
+                  <a:srgbClr val="FF4500"/>
+                </a:solidFill>
+                <a:latin typeface="Lucida Console" panose="020B0609040504020204" pitchFamily="49" charset="0"/>
+              </a:rPr>
+              <a:t>acl</a:t>
+            </a:r>
+            <a:r>
+              <a:rPr lang="en-US" dirty="0">
+                <a:solidFill>
+                  <a:prstClr val="black"/>
+                </a:solidFill>
+                <a:latin typeface="Lucida Console" panose="020B0609040504020204" pitchFamily="49" charset="0"/>
+              </a:rPr>
+              <a:t> </a:t>
+            </a:r>
+            <a:r>
+              <a:rPr lang="en-US" dirty="0">
+                <a:solidFill>
+                  <a:srgbClr val="000080"/>
+                </a:solidFill>
+                <a:latin typeface="Lucida Console" panose="020B0609040504020204" pitchFamily="49" charset="0"/>
+              </a:rPr>
+              <a:t>-Path</a:t>
+            </a:r>
+            <a:r>
+              <a:rPr lang="en-US" dirty="0">
+                <a:solidFill>
+                  <a:prstClr val="black"/>
+                </a:solidFill>
+                <a:latin typeface="Lucida Console" panose="020B0609040504020204" pitchFamily="49" charset="0"/>
+              </a:rPr>
+              <a:t> </a:t>
+            </a:r>
+            <a:r>
+              <a:rPr lang="en-US" dirty="0">
+                <a:solidFill>
+                  <a:srgbClr val="FF4500"/>
+                </a:solidFill>
+                <a:latin typeface="Lucida Console" panose="020B0609040504020204" pitchFamily="49" charset="0"/>
+              </a:rPr>
+              <a:t>$</a:t>
+            </a:r>
+            <a:r>
+              <a:rPr lang="en-US" dirty="0" err="1">
+                <a:solidFill>
+                  <a:srgbClr val="FF4500"/>
+                </a:solidFill>
+                <a:latin typeface="Lucida Console" panose="020B0609040504020204" pitchFamily="49" charset="0"/>
+              </a:rPr>
+              <a:t>dir</a:t>
+            </a:r>
+            <a:r>
+              <a:rPr lang="en-US" dirty="0">
+                <a:solidFill>
+                  <a:srgbClr val="FF4500"/>
+                </a:solidFill>
+                <a:latin typeface="Lucida Console" panose="020B0609040504020204" pitchFamily="49" charset="0"/>
+              </a:rPr>
+              <a:t> </a:t>
+            </a:r>
+          </a:p>
+        </p:txBody>
+      </p:sp>
+    </p:spTree>
+    <p:extLst>
+      <p:ext uri="{BB962C8B-B14F-4D97-AF65-F5344CB8AC3E}">
+        <p14:creationId xmlns:p14="http://schemas.microsoft.com/office/powerpoint/2010/main" val="2476617015"/>
+      </p:ext>
+    </p:extLst>
+  </p:cSld>
+  <p:clrMapOvr>
+    <a:masterClrMapping/>
+  </p:clrMapOvr>
+</p:sld>
+</file>
+
+<file path=ppt/slides/slide31.xml><?xml version="1.0" encoding="utf-8"?>
 <p:sld xmlns:a="http://schemas.openxmlformats.org/drawingml/2006/main" xmlns:r="http://schemas.openxmlformats.org/officeDocument/2006/relationships" xmlns:p="http://schemas.openxmlformats.org/presentationml/2006/main">
   <p:cSld>
     <p:spTree>
@@ -14976,7 +15691,7 @@
 </p:sld>
 </file>
 
-<file path=ppt/slides/slide31.xml><?xml version="1.0" encoding="utf-8"?>
+<file path=ppt/slides/slide32.xml><?xml version="1.0" encoding="utf-8"?>
 <p:sld xmlns:a="http://schemas.openxmlformats.org/drawingml/2006/main" xmlns:r="http://schemas.openxmlformats.org/officeDocument/2006/relationships" xmlns:p="http://schemas.openxmlformats.org/presentationml/2006/main">
   <p:cSld>
     <p:spTree>
@@ -15600,7 +16315,7 @@
 </p:sld>
 </file>
 
-<file path=ppt/slides/slide32.xml><?xml version="1.0" encoding="utf-8"?>
+<file path=ppt/slides/slide33.xml><?xml version="1.0" encoding="utf-8"?>
 <p:sld xmlns:a="http://schemas.openxmlformats.org/drawingml/2006/main" xmlns:r="http://schemas.openxmlformats.org/officeDocument/2006/relationships" xmlns:p="http://schemas.openxmlformats.org/presentationml/2006/main">
   <p:cSld>
     <p:spTree>
@@ -15843,7 +16558,7 @@
 </p:sld>
 </file>
 
-<file path=ppt/slides/slide33.xml><?xml version="1.0" encoding="utf-8"?>
+<file path=ppt/slides/slide34.xml><?xml version="1.0" encoding="utf-8"?>
 <p:sld xmlns:a="http://schemas.openxmlformats.org/drawingml/2006/main" xmlns:r="http://schemas.openxmlformats.org/officeDocument/2006/relationships" xmlns:p="http://schemas.openxmlformats.org/presentationml/2006/main">
   <p:cSld>
     <p:spTree>
